--- a/doku/events.pptx
+++ b/doku/events.pptx
@@ -53,7 +53,7 @@
       </p:grpSpPr>
       <p:sp>
         <p:nvSpPr>
-          <p:cNvPr id="26" name="PlaceHolder 1"/>
+          <p:cNvPr id="23" name="PlaceHolder 1"/>
           <p:cNvSpPr>
             <a:spLocks noGrp="1"/>
           </p:cNvSpPr>
@@ -64,7 +64,7 @@
         <p:spPr>
           <a:xfrm>
             <a:off x="1523880" y="1122480"/>
-            <a:ext cx="9143640" cy="2387160"/>
+            <a:ext cx="9143280" cy="2386800"/>
           </a:xfrm>
           <a:prstGeom prst="rect">
             <a:avLst/>
@@ -73,18 +73,16 @@
         <p:txBody>
           <a:bodyPr lIns="0" rIns="0" tIns="0" bIns="0" anchor="ctr"/>
           <a:p>
-            <a:endParaRPr b="0" lang="de-DE" sz="1800" spc="-1" strike="noStrike">
-              <a:solidFill>
-                <a:srgbClr val="000000"/>
-              </a:solidFill>
-              <a:latin typeface="Calibri"/>
+            <a:pPr algn="ctr"/>
+            <a:endParaRPr b="0" lang="de-DE" sz="4400" spc="-1" strike="noStrike">
+              <a:latin typeface="Arial"/>
             </a:endParaRPr>
           </a:p>
         </p:txBody>
       </p:sp>
       <p:sp>
         <p:nvSpPr>
-          <p:cNvPr id="27" name="PlaceHolder 2"/>
+          <p:cNvPr id="24" name="PlaceHolder 2"/>
           <p:cNvSpPr>
             <a:spLocks noGrp="1"/>
           </p:cNvSpPr>
@@ -106,18 +104,15 @@
             <a:normAutofit/>
           </a:bodyPr>
           <a:p>
-            <a:endParaRPr b="0" lang="de-DE" sz="2800" spc="-1" strike="noStrike">
-              <a:solidFill>
-                <a:srgbClr val="000000"/>
-              </a:solidFill>
-              <a:latin typeface="Calibri"/>
+            <a:endParaRPr b="0" lang="de-DE" sz="3200" spc="-1" strike="noStrike">
+              <a:latin typeface="Arial"/>
             </a:endParaRPr>
           </a:p>
         </p:txBody>
       </p:sp>
       <p:sp>
         <p:nvSpPr>
-          <p:cNvPr id="28" name="PlaceHolder 3"/>
+          <p:cNvPr id="25" name="PlaceHolder 3"/>
           <p:cNvSpPr>
             <a:spLocks noGrp="1"/>
           </p:cNvSpPr>
@@ -139,11 +134,8 @@
             <a:normAutofit/>
           </a:bodyPr>
           <a:p>
-            <a:endParaRPr b="0" lang="de-DE" sz="2800" spc="-1" strike="noStrike">
-              <a:solidFill>
-                <a:srgbClr val="000000"/>
-              </a:solidFill>
-              <a:latin typeface="Calibri"/>
+            <a:endParaRPr b="0" lang="de-DE" sz="3200" spc="-1" strike="noStrike">
+              <a:latin typeface="Arial"/>
             </a:endParaRPr>
           </a:p>
         </p:txBody>
@@ -172,7 +164,7 @@
       </p:grpSpPr>
       <p:sp>
         <p:nvSpPr>
-          <p:cNvPr id="29" name="PlaceHolder 1"/>
+          <p:cNvPr id="26" name="PlaceHolder 1"/>
           <p:cNvSpPr>
             <a:spLocks noGrp="1"/>
           </p:cNvSpPr>
@@ -183,7 +175,7 @@
         <p:spPr>
           <a:xfrm>
             <a:off x="1523880" y="1122480"/>
-            <a:ext cx="9143640" cy="2387160"/>
+            <a:ext cx="9143280" cy="2386800"/>
           </a:xfrm>
           <a:prstGeom prst="rect">
             <a:avLst/>
@@ -192,18 +184,16 @@
         <p:txBody>
           <a:bodyPr lIns="0" rIns="0" tIns="0" bIns="0" anchor="ctr"/>
           <a:p>
-            <a:endParaRPr b="0" lang="de-DE" sz="1800" spc="-1" strike="noStrike">
-              <a:solidFill>
-                <a:srgbClr val="000000"/>
-              </a:solidFill>
-              <a:latin typeface="Calibri"/>
+            <a:pPr algn="ctr"/>
+            <a:endParaRPr b="0" lang="de-DE" sz="4400" spc="-1" strike="noStrike">
+              <a:latin typeface="Arial"/>
             </a:endParaRPr>
           </a:p>
         </p:txBody>
       </p:sp>
       <p:sp>
         <p:nvSpPr>
-          <p:cNvPr id="30" name="PlaceHolder 2"/>
+          <p:cNvPr id="27" name="PlaceHolder 2"/>
           <p:cNvSpPr>
             <a:spLocks noGrp="1"/>
           </p:cNvSpPr>
@@ -225,18 +215,15 @@
             <a:normAutofit/>
           </a:bodyPr>
           <a:p>
-            <a:endParaRPr b="0" lang="de-DE" sz="2800" spc="-1" strike="noStrike">
-              <a:solidFill>
-                <a:srgbClr val="000000"/>
-              </a:solidFill>
-              <a:latin typeface="Calibri"/>
+            <a:endParaRPr b="0" lang="de-DE" sz="3200" spc="-1" strike="noStrike">
+              <a:latin typeface="Arial"/>
             </a:endParaRPr>
           </a:p>
         </p:txBody>
       </p:sp>
       <p:sp>
         <p:nvSpPr>
-          <p:cNvPr id="31" name="PlaceHolder 3"/>
+          <p:cNvPr id="28" name="PlaceHolder 3"/>
           <p:cNvSpPr>
             <a:spLocks noGrp="1"/>
           </p:cNvSpPr>
@@ -258,18 +245,15 @@
             <a:normAutofit/>
           </a:bodyPr>
           <a:p>
-            <a:endParaRPr b="0" lang="de-DE" sz="2800" spc="-1" strike="noStrike">
-              <a:solidFill>
-                <a:srgbClr val="000000"/>
-              </a:solidFill>
-              <a:latin typeface="Calibri"/>
+            <a:endParaRPr b="0" lang="de-DE" sz="3200" spc="-1" strike="noStrike">
+              <a:latin typeface="Arial"/>
             </a:endParaRPr>
           </a:p>
         </p:txBody>
       </p:sp>
       <p:sp>
         <p:nvSpPr>
-          <p:cNvPr id="32" name="PlaceHolder 4"/>
+          <p:cNvPr id="29" name="PlaceHolder 4"/>
           <p:cNvSpPr>
             <a:spLocks noGrp="1"/>
           </p:cNvSpPr>
@@ -291,18 +275,15 @@
             <a:normAutofit/>
           </a:bodyPr>
           <a:p>
-            <a:endParaRPr b="0" lang="de-DE" sz="2800" spc="-1" strike="noStrike">
-              <a:solidFill>
-                <a:srgbClr val="000000"/>
-              </a:solidFill>
-              <a:latin typeface="Calibri"/>
+            <a:endParaRPr b="0" lang="de-DE" sz="3200" spc="-1" strike="noStrike">
+              <a:latin typeface="Arial"/>
             </a:endParaRPr>
           </a:p>
         </p:txBody>
       </p:sp>
       <p:sp>
         <p:nvSpPr>
-          <p:cNvPr id="33" name="PlaceHolder 5"/>
+          <p:cNvPr id="30" name="PlaceHolder 5"/>
           <p:cNvSpPr>
             <a:spLocks noGrp="1"/>
           </p:cNvSpPr>
@@ -324,11 +305,8 @@
             <a:normAutofit/>
           </a:bodyPr>
           <a:p>
-            <a:endParaRPr b="0" lang="de-DE" sz="2800" spc="-1" strike="noStrike">
-              <a:solidFill>
-                <a:srgbClr val="000000"/>
-              </a:solidFill>
-              <a:latin typeface="Calibri"/>
+            <a:endParaRPr b="0" lang="de-DE" sz="3200" spc="-1" strike="noStrike">
+              <a:latin typeface="Arial"/>
             </a:endParaRPr>
           </a:p>
         </p:txBody>
@@ -357,7 +335,7 @@
       </p:grpSpPr>
       <p:sp>
         <p:nvSpPr>
-          <p:cNvPr id="34" name="PlaceHolder 1"/>
+          <p:cNvPr id="31" name="PlaceHolder 1"/>
           <p:cNvSpPr>
             <a:spLocks noGrp="1"/>
           </p:cNvSpPr>
@@ -368,7 +346,7 @@
         <p:spPr>
           <a:xfrm>
             <a:off x="1523880" y="1122480"/>
-            <a:ext cx="9143640" cy="2387160"/>
+            <a:ext cx="9143280" cy="2386800"/>
           </a:xfrm>
           <a:prstGeom prst="rect">
             <a:avLst/>
@@ -377,18 +355,16 @@
         <p:txBody>
           <a:bodyPr lIns="0" rIns="0" tIns="0" bIns="0" anchor="ctr"/>
           <a:p>
-            <a:endParaRPr b="0" lang="de-DE" sz="1800" spc="-1" strike="noStrike">
-              <a:solidFill>
-                <a:srgbClr val="000000"/>
-              </a:solidFill>
-              <a:latin typeface="Calibri"/>
+            <a:pPr algn="ctr"/>
+            <a:endParaRPr b="0" lang="de-DE" sz="4400" spc="-1" strike="noStrike">
+              <a:latin typeface="Arial"/>
             </a:endParaRPr>
           </a:p>
         </p:txBody>
       </p:sp>
       <p:sp>
         <p:nvSpPr>
-          <p:cNvPr id="35" name="PlaceHolder 2"/>
+          <p:cNvPr id="32" name="PlaceHolder 2"/>
           <p:cNvSpPr>
             <a:spLocks noGrp="1"/>
           </p:cNvSpPr>
@@ -410,18 +386,15 @@
             <a:normAutofit/>
           </a:bodyPr>
           <a:p>
-            <a:endParaRPr b="0" lang="de-DE" sz="2800" spc="-1" strike="noStrike">
-              <a:solidFill>
-                <a:srgbClr val="000000"/>
-              </a:solidFill>
-              <a:latin typeface="Calibri"/>
+            <a:endParaRPr b="0" lang="de-DE" sz="3200" spc="-1" strike="noStrike">
+              <a:latin typeface="Arial"/>
             </a:endParaRPr>
           </a:p>
         </p:txBody>
       </p:sp>
       <p:sp>
         <p:nvSpPr>
-          <p:cNvPr id="36" name="PlaceHolder 3"/>
+          <p:cNvPr id="33" name="PlaceHolder 3"/>
           <p:cNvSpPr>
             <a:spLocks noGrp="1"/>
           </p:cNvSpPr>
@@ -443,18 +416,15 @@
             <a:normAutofit/>
           </a:bodyPr>
           <a:p>
-            <a:endParaRPr b="0" lang="de-DE" sz="2800" spc="-1" strike="noStrike">
-              <a:solidFill>
-                <a:srgbClr val="000000"/>
-              </a:solidFill>
-              <a:latin typeface="Calibri"/>
+            <a:endParaRPr b="0" lang="de-DE" sz="3200" spc="-1" strike="noStrike">
+              <a:latin typeface="Arial"/>
             </a:endParaRPr>
           </a:p>
         </p:txBody>
       </p:sp>
       <p:sp>
         <p:nvSpPr>
-          <p:cNvPr id="37" name="PlaceHolder 4"/>
+          <p:cNvPr id="34" name="PlaceHolder 4"/>
           <p:cNvSpPr>
             <a:spLocks noGrp="1"/>
           </p:cNvSpPr>
@@ -476,18 +446,15 @@
             <a:normAutofit/>
           </a:bodyPr>
           <a:p>
-            <a:endParaRPr b="0" lang="de-DE" sz="2800" spc="-1" strike="noStrike">
-              <a:solidFill>
-                <a:srgbClr val="000000"/>
-              </a:solidFill>
-              <a:latin typeface="Calibri"/>
+            <a:endParaRPr b="0" lang="de-DE" sz="3200" spc="-1" strike="noStrike">
+              <a:latin typeface="Arial"/>
             </a:endParaRPr>
           </a:p>
         </p:txBody>
       </p:sp>
       <p:sp>
         <p:nvSpPr>
-          <p:cNvPr id="38" name="PlaceHolder 5"/>
+          <p:cNvPr id="35" name="PlaceHolder 5"/>
           <p:cNvSpPr>
             <a:spLocks noGrp="1"/>
           </p:cNvSpPr>
@@ -509,18 +476,15 @@
             <a:normAutofit/>
           </a:bodyPr>
           <a:p>
-            <a:endParaRPr b="0" lang="de-DE" sz="2800" spc="-1" strike="noStrike">
-              <a:solidFill>
-                <a:srgbClr val="000000"/>
-              </a:solidFill>
-              <a:latin typeface="Calibri"/>
+            <a:endParaRPr b="0" lang="de-DE" sz="3200" spc="-1" strike="noStrike">
+              <a:latin typeface="Arial"/>
             </a:endParaRPr>
           </a:p>
         </p:txBody>
       </p:sp>
       <p:sp>
         <p:nvSpPr>
-          <p:cNvPr id="39" name="PlaceHolder 6"/>
+          <p:cNvPr id="36" name="PlaceHolder 6"/>
           <p:cNvSpPr>
             <a:spLocks noGrp="1"/>
           </p:cNvSpPr>
@@ -542,18 +506,15 @@
             <a:normAutofit/>
           </a:bodyPr>
           <a:p>
-            <a:endParaRPr b="0" lang="de-DE" sz="2800" spc="-1" strike="noStrike">
-              <a:solidFill>
-                <a:srgbClr val="000000"/>
-              </a:solidFill>
-              <a:latin typeface="Calibri"/>
+            <a:endParaRPr b="0" lang="de-DE" sz="3200" spc="-1" strike="noStrike">
+              <a:latin typeface="Arial"/>
             </a:endParaRPr>
           </a:p>
         </p:txBody>
       </p:sp>
       <p:sp>
         <p:nvSpPr>
-          <p:cNvPr id="40" name="PlaceHolder 7"/>
+          <p:cNvPr id="37" name="PlaceHolder 7"/>
           <p:cNvSpPr>
             <a:spLocks noGrp="1"/>
           </p:cNvSpPr>
@@ -575,11 +536,8 @@
             <a:normAutofit/>
           </a:bodyPr>
           <a:p>
-            <a:endParaRPr b="0" lang="de-DE" sz="2800" spc="-1" strike="noStrike">
-              <a:solidFill>
-                <a:srgbClr val="000000"/>
-              </a:solidFill>
-              <a:latin typeface="Calibri"/>
+            <a:endParaRPr b="0" lang="de-DE" sz="3200" spc="-1" strike="noStrike">
+              <a:latin typeface="Arial"/>
             </a:endParaRPr>
           </a:p>
         </p:txBody>
@@ -608,7 +566,7 @@
       </p:grpSpPr>
       <p:sp>
         <p:nvSpPr>
-          <p:cNvPr id="5" name="PlaceHolder 1"/>
+          <p:cNvPr id="2" name="PlaceHolder 1"/>
           <p:cNvSpPr>
             <a:spLocks noGrp="1"/>
           </p:cNvSpPr>
@@ -619,7 +577,7 @@
         <p:spPr>
           <a:xfrm>
             <a:off x="1523880" y="1122480"/>
-            <a:ext cx="9143640" cy="2387160"/>
+            <a:ext cx="9143280" cy="2386800"/>
           </a:xfrm>
           <a:prstGeom prst="rect">
             <a:avLst/>
@@ -628,18 +586,16 @@
         <p:txBody>
           <a:bodyPr lIns="0" rIns="0" tIns="0" bIns="0" anchor="ctr"/>
           <a:p>
-            <a:endParaRPr b="0" lang="de-DE" sz="1800" spc="-1" strike="noStrike">
-              <a:solidFill>
-                <a:srgbClr val="000000"/>
-              </a:solidFill>
-              <a:latin typeface="Calibri"/>
+            <a:pPr algn="ctr"/>
+            <a:endParaRPr b="0" lang="de-DE" sz="4400" spc="-1" strike="noStrike">
+              <a:latin typeface="Arial"/>
             </a:endParaRPr>
           </a:p>
         </p:txBody>
       </p:sp>
       <p:sp>
         <p:nvSpPr>
-          <p:cNvPr id="6" name="PlaceHolder 2"/>
+          <p:cNvPr id="3" name="PlaceHolder 2"/>
           <p:cNvSpPr>
             <a:spLocks noGrp="1"/>
           </p:cNvSpPr>
@@ -690,7 +646,7 @@
       </p:grpSpPr>
       <p:sp>
         <p:nvSpPr>
-          <p:cNvPr id="7" name="PlaceHolder 1"/>
+          <p:cNvPr id="4" name="PlaceHolder 1"/>
           <p:cNvSpPr>
             <a:spLocks noGrp="1"/>
           </p:cNvSpPr>
@@ -701,7 +657,7 @@
         <p:spPr>
           <a:xfrm>
             <a:off x="1523880" y="1122480"/>
-            <a:ext cx="9143640" cy="2387160"/>
+            <a:ext cx="9143280" cy="2386800"/>
           </a:xfrm>
           <a:prstGeom prst="rect">
             <a:avLst/>
@@ -710,18 +666,16 @@
         <p:txBody>
           <a:bodyPr lIns="0" rIns="0" tIns="0" bIns="0" anchor="ctr"/>
           <a:p>
-            <a:endParaRPr b="0" lang="de-DE" sz="1800" spc="-1" strike="noStrike">
-              <a:solidFill>
-                <a:srgbClr val="000000"/>
-              </a:solidFill>
-              <a:latin typeface="Calibri"/>
+            <a:pPr algn="ctr"/>
+            <a:endParaRPr b="0" lang="de-DE" sz="4400" spc="-1" strike="noStrike">
+              <a:latin typeface="Arial"/>
             </a:endParaRPr>
           </a:p>
         </p:txBody>
       </p:sp>
       <p:sp>
         <p:nvSpPr>
-          <p:cNvPr id="8" name="PlaceHolder 2"/>
+          <p:cNvPr id="5" name="PlaceHolder 2"/>
           <p:cNvSpPr>
             <a:spLocks noGrp="1"/>
           </p:cNvSpPr>
@@ -743,11 +697,8 @@
             <a:normAutofit/>
           </a:bodyPr>
           <a:p>
-            <a:endParaRPr b="0" lang="de-DE" sz="2800" spc="-1" strike="noStrike">
-              <a:solidFill>
-                <a:srgbClr val="000000"/>
-              </a:solidFill>
-              <a:latin typeface="Calibri"/>
+            <a:endParaRPr b="0" lang="de-DE" sz="3200" spc="-1" strike="noStrike">
+              <a:latin typeface="Arial"/>
             </a:endParaRPr>
           </a:p>
         </p:txBody>
@@ -776,7 +727,7 @@
       </p:grpSpPr>
       <p:sp>
         <p:nvSpPr>
-          <p:cNvPr id="9" name="PlaceHolder 1"/>
+          <p:cNvPr id="6" name="PlaceHolder 1"/>
           <p:cNvSpPr>
             <a:spLocks noGrp="1"/>
           </p:cNvSpPr>
@@ -787,7 +738,7 @@
         <p:spPr>
           <a:xfrm>
             <a:off x="1523880" y="1122480"/>
-            <a:ext cx="9143640" cy="2387160"/>
+            <a:ext cx="9143280" cy="2386800"/>
           </a:xfrm>
           <a:prstGeom prst="rect">
             <a:avLst/>
@@ -796,18 +747,16 @@
         <p:txBody>
           <a:bodyPr lIns="0" rIns="0" tIns="0" bIns="0" anchor="ctr"/>
           <a:p>
-            <a:endParaRPr b="0" lang="de-DE" sz="1800" spc="-1" strike="noStrike">
-              <a:solidFill>
-                <a:srgbClr val="000000"/>
-              </a:solidFill>
-              <a:latin typeface="Calibri"/>
+            <a:pPr algn="ctr"/>
+            <a:endParaRPr b="0" lang="de-DE" sz="4400" spc="-1" strike="noStrike">
+              <a:latin typeface="Arial"/>
             </a:endParaRPr>
           </a:p>
         </p:txBody>
       </p:sp>
       <p:sp>
         <p:nvSpPr>
-          <p:cNvPr id="10" name="PlaceHolder 2"/>
+          <p:cNvPr id="7" name="PlaceHolder 2"/>
           <p:cNvSpPr>
             <a:spLocks noGrp="1"/>
           </p:cNvSpPr>
@@ -829,18 +778,15 @@
             <a:normAutofit/>
           </a:bodyPr>
           <a:p>
-            <a:endParaRPr b="0" lang="de-DE" sz="2800" spc="-1" strike="noStrike">
-              <a:solidFill>
-                <a:srgbClr val="000000"/>
-              </a:solidFill>
-              <a:latin typeface="Calibri"/>
+            <a:endParaRPr b="0" lang="de-DE" sz="3200" spc="-1" strike="noStrike">
+              <a:latin typeface="Arial"/>
             </a:endParaRPr>
           </a:p>
         </p:txBody>
       </p:sp>
       <p:sp>
         <p:nvSpPr>
-          <p:cNvPr id="11" name="PlaceHolder 3"/>
+          <p:cNvPr id="8" name="PlaceHolder 3"/>
           <p:cNvSpPr>
             <a:spLocks noGrp="1"/>
           </p:cNvSpPr>
@@ -862,11 +808,8 @@
             <a:normAutofit/>
           </a:bodyPr>
           <a:p>
-            <a:endParaRPr b="0" lang="de-DE" sz="2800" spc="-1" strike="noStrike">
-              <a:solidFill>
-                <a:srgbClr val="000000"/>
-              </a:solidFill>
-              <a:latin typeface="Calibri"/>
+            <a:endParaRPr b="0" lang="de-DE" sz="3200" spc="-1" strike="noStrike">
+              <a:latin typeface="Arial"/>
             </a:endParaRPr>
           </a:p>
         </p:txBody>
@@ -895,7 +838,7 @@
       </p:grpSpPr>
       <p:sp>
         <p:nvSpPr>
-          <p:cNvPr id="12" name="PlaceHolder 1"/>
+          <p:cNvPr id="9" name="PlaceHolder 1"/>
           <p:cNvSpPr>
             <a:spLocks noGrp="1"/>
           </p:cNvSpPr>
@@ -906,7 +849,7 @@
         <p:spPr>
           <a:xfrm>
             <a:off x="1523880" y="1122480"/>
-            <a:ext cx="9143640" cy="2387160"/>
+            <a:ext cx="9143280" cy="2386800"/>
           </a:xfrm>
           <a:prstGeom prst="rect">
             <a:avLst/>
@@ -915,11 +858,9 @@
         <p:txBody>
           <a:bodyPr lIns="0" rIns="0" tIns="0" bIns="0" anchor="ctr"/>
           <a:p>
-            <a:endParaRPr b="0" lang="de-DE" sz="1800" spc="-1" strike="noStrike">
-              <a:solidFill>
-                <a:srgbClr val="000000"/>
-              </a:solidFill>
-              <a:latin typeface="Calibri"/>
+            <a:pPr algn="ctr"/>
+            <a:endParaRPr b="0" lang="de-DE" sz="4400" spc="-1" strike="noStrike">
+              <a:latin typeface="Arial"/>
             </a:endParaRPr>
           </a:p>
         </p:txBody>
@@ -948,7 +889,7 @@
       </p:grpSpPr>
       <p:sp>
         <p:nvSpPr>
-          <p:cNvPr id="13" name="PlaceHolder 1"/>
+          <p:cNvPr id="10" name="PlaceHolder 1"/>
           <p:cNvSpPr>
             <a:spLocks noGrp="1"/>
           </p:cNvSpPr>
@@ -959,7 +900,7 @@
         <p:spPr>
           <a:xfrm>
             <a:off x="1523880" y="1122480"/>
-            <a:ext cx="9143640" cy="11066760"/>
+            <a:ext cx="9143280" cy="11064960"/>
           </a:xfrm>
           <a:prstGeom prst="rect">
             <a:avLst/>
@@ -999,7 +940,7 @@
       </p:grpSpPr>
       <p:sp>
         <p:nvSpPr>
-          <p:cNvPr id="14" name="PlaceHolder 1"/>
+          <p:cNvPr id="11" name="PlaceHolder 1"/>
           <p:cNvSpPr>
             <a:spLocks noGrp="1"/>
           </p:cNvSpPr>
@@ -1010,7 +951,7 @@
         <p:spPr>
           <a:xfrm>
             <a:off x="1523880" y="1122480"/>
-            <a:ext cx="9143640" cy="2387160"/>
+            <a:ext cx="9143280" cy="2386800"/>
           </a:xfrm>
           <a:prstGeom prst="rect">
             <a:avLst/>
@@ -1019,18 +960,16 @@
         <p:txBody>
           <a:bodyPr lIns="0" rIns="0" tIns="0" bIns="0" anchor="ctr"/>
           <a:p>
-            <a:endParaRPr b="0" lang="de-DE" sz="1800" spc="-1" strike="noStrike">
-              <a:solidFill>
-                <a:srgbClr val="000000"/>
-              </a:solidFill>
-              <a:latin typeface="Calibri"/>
+            <a:pPr algn="ctr"/>
+            <a:endParaRPr b="0" lang="de-DE" sz="4400" spc="-1" strike="noStrike">
+              <a:latin typeface="Arial"/>
             </a:endParaRPr>
           </a:p>
         </p:txBody>
       </p:sp>
       <p:sp>
         <p:nvSpPr>
-          <p:cNvPr id="15" name="PlaceHolder 2"/>
+          <p:cNvPr id="12" name="PlaceHolder 2"/>
           <p:cNvSpPr>
             <a:spLocks noGrp="1"/>
           </p:cNvSpPr>
@@ -1052,18 +991,15 @@
             <a:normAutofit/>
           </a:bodyPr>
           <a:p>
-            <a:endParaRPr b="0" lang="de-DE" sz="2800" spc="-1" strike="noStrike">
-              <a:solidFill>
-                <a:srgbClr val="000000"/>
-              </a:solidFill>
-              <a:latin typeface="Calibri"/>
+            <a:endParaRPr b="0" lang="de-DE" sz="3200" spc="-1" strike="noStrike">
+              <a:latin typeface="Arial"/>
             </a:endParaRPr>
           </a:p>
         </p:txBody>
       </p:sp>
       <p:sp>
         <p:nvSpPr>
-          <p:cNvPr id="16" name="PlaceHolder 3"/>
+          <p:cNvPr id="13" name="PlaceHolder 3"/>
           <p:cNvSpPr>
             <a:spLocks noGrp="1"/>
           </p:cNvSpPr>
@@ -1085,18 +1021,15 @@
             <a:normAutofit/>
           </a:bodyPr>
           <a:p>
-            <a:endParaRPr b="0" lang="de-DE" sz="2800" spc="-1" strike="noStrike">
-              <a:solidFill>
-                <a:srgbClr val="000000"/>
-              </a:solidFill>
-              <a:latin typeface="Calibri"/>
+            <a:endParaRPr b="0" lang="de-DE" sz="3200" spc="-1" strike="noStrike">
+              <a:latin typeface="Arial"/>
             </a:endParaRPr>
           </a:p>
         </p:txBody>
       </p:sp>
       <p:sp>
         <p:nvSpPr>
-          <p:cNvPr id="17" name="PlaceHolder 4"/>
+          <p:cNvPr id="14" name="PlaceHolder 4"/>
           <p:cNvSpPr>
             <a:spLocks noGrp="1"/>
           </p:cNvSpPr>
@@ -1118,11 +1051,8 @@
             <a:normAutofit/>
           </a:bodyPr>
           <a:p>
-            <a:endParaRPr b="0" lang="de-DE" sz="2800" spc="-1" strike="noStrike">
-              <a:solidFill>
-                <a:srgbClr val="000000"/>
-              </a:solidFill>
-              <a:latin typeface="Calibri"/>
+            <a:endParaRPr b="0" lang="de-DE" sz="3200" spc="-1" strike="noStrike">
+              <a:latin typeface="Arial"/>
             </a:endParaRPr>
           </a:p>
         </p:txBody>
@@ -1151,7 +1081,7 @@
       </p:grpSpPr>
       <p:sp>
         <p:nvSpPr>
-          <p:cNvPr id="18" name="PlaceHolder 1"/>
+          <p:cNvPr id="15" name="PlaceHolder 1"/>
           <p:cNvSpPr>
             <a:spLocks noGrp="1"/>
           </p:cNvSpPr>
@@ -1162,7 +1092,7 @@
         <p:spPr>
           <a:xfrm>
             <a:off x="1523880" y="1122480"/>
-            <a:ext cx="9143640" cy="2387160"/>
+            <a:ext cx="9143280" cy="2386800"/>
           </a:xfrm>
           <a:prstGeom prst="rect">
             <a:avLst/>
@@ -1171,18 +1101,16 @@
         <p:txBody>
           <a:bodyPr lIns="0" rIns="0" tIns="0" bIns="0" anchor="ctr"/>
           <a:p>
-            <a:endParaRPr b="0" lang="de-DE" sz="1800" spc="-1" strike="noStrike">
-              <a:solidFill>
-                <a:srgbClr val="000000"/>
-              </a:solidFill>
-              <a:latin typeface="Calibri"/>
+            <a:pPr algn="ctr"/>
+            <a:endParaRPr b="0" lang="de-DE" sz="4400" spc="-1" strike="noStrike">
+              <a:latin typeface="Arial"/>
             </a:endParaRPr>
           </a:p>
         </p:txBody>
       </p:sp>
       <p:sp>
         <p:nvSpPr>
-          <p:cNvPr id="19" name="PlaceHolder 2"/>
+          <p:cNvPr id="16" name="PlaceHolder 2"/>
           <p:cNvSpPr>
             <a:spLocks noGrp="1"/>
           </p:cNvSpPr>
@@ -1204,18 +1132,15 @@
             <a:normAutofit/>
           </a:bodyPr>
           <a:p>
-            <a:endParaRPr b="0" lang="de-DE" sz="2800" spc="-1" strike="noStrike">
-              <a:solidFill>
-                <a:srgbClr val="000000"/>
-              </a:solidFill>
-              <a:latin typeface="Calibri"/>
+            <a:endParaRPr b="0" lang="de-DE" sz="3200" spc="-1" strike="noStrike">
+              <a:latin typeface="Arial"/>
             </a:endParaRPr>
           </a:p>
         </p:txBody>
       </p:sp>
       <p:sp>
         <p:nvSpPr>
-          <p:cNvPr id="20" name="PlaceHolder 3"/>
+          <p:cNvPr id="17" name="PlaceHolder 3"/>
           <p:cNvSpPr>
             <a:spLocks noGrp="1"/>
           </p:cNvSpPr>
@@ -1237,18 +1162,15 @@
             <a:normAutofit/>
           </a:bodyPr>
           <a:p>
-            <a:endParaRPr b="0" lang="de-DE" sz="2800" spc="-1" strike="noStrike">
-              <a:solidFill>
-                <a:srgbClr val="000000"/>
-              </a:solidFill>
-              <a:latin typeface="Calibri"/>
+            <a:endParaRPr b="0" lang="de-DE" sz="3200" spc="-1" strike="noStrike">
+              <a:latin typeface="Arial"/>
             </a:endParaRPr>
           </a:p>
         </p:txBody>
       </p:sp>
       <p:sp>
         <p:nvSpPr>
-          <p:cNvPr id="21" name="PlaceHolder 4"/>
+          <p:cNvPr id="18" name="PlaceHolder 4"/>
           <p:cNvSpPr>
             <a:spLocks noGrp="1"/>
           </p:cNvSpPr>
@@ -1270,11 +1192,8 @@
             <a:normAutofit/>
           </a:bodyPr>
           <a:p>
-            <a:endParaRPr b="0" lang="de-DE" sz="2800" spc="-1" strike="noStrike">
-              <a:solidFill>
-                <a:srgbClr val="000000"/>
-              </a:solidFill>
-              <a:latin typeface="Calibri"/>
+            <a:endParaRPr b="0" lang="de-DE" sz="3200" spc="-1" strike="noStrike">
+              <a:latin typeface="Arial"/>
             </a:endParaRPr>
           </a:p>
         </p:txBody>
@@ -1303,7 +1222,7 @@
       </p:grpSpPr>
       <p:sp>
         <p:nvSpPr>
-          <p:cNvPr id="22" name="PlaceHolder 1"/>
+          <p:cNvPr id="19" name="PlaceHolder 1"/>
           <p:cNvSpPr>
             <a:spLocks noGrp="1"/>
           </p:cNvSpPr>
@@ -1314,7 +1233,7 @@
         <p:spPr>
           <a:xfrm>
             <a:off x="1523880" y="1122480"/>
-            <a:ext cx="9143640" cy="2387160"/>
+            <a:ext cx="9143280" cy="2386800"/>
           </a:xfrm>
           <a:prstGeom prst="rect">
             <a:avLst/>
@@ -1323,18 +1242,16 @@
         <p:txBody>
           <a:bodyPr lIns="0" rIns="0" tIns="0" bIns="0" anchor="ctr"/>
           <a:p>
-            <a:endParaRPr b="0" lang="de-DE" sz="1800" spc="-1" strike="noStrike">
-              <a:solidFill>
-                <a:srgbClr val="000000"/>
-              </a:solidFill>
-              <a:latin typeface="Calibri"/>
+            <a:pPr algn="ctr"/>
+            <a:endParaRPr b="0" lang="de-DE" sz="4400" spc="-1" strike="noStrike">
+              <a:latin typeface="Arial"/>
             </a:endParaRPr>
           </a:p>
         </p:txBody>
       </p:sp>
       <p:sp>
         <p:nvSpPr>
-          <p:cNvPr id="23" name="PlaceHolder 2"/>
+          <p:cNvPr id="20" name="PlaceHolder 2"/>
           <p:cNvSpPr>
             <a:spLocks noGrp="1"/>
           </p:cNvSpPr>
@@ -1356,18 +1273,15 @@
             <a:normAutofit/>
           </a:bodyPr>
           <a:p>
-            <a:endParaRPr b="0" lang="de-DE" sz="2800" spc="-1" strike="noStrike">
-              <a:solidFill>
-                <a:srgbClr val="000000"/>
-              </a:solidFill>
-              <a:latin typeface="Calibri"/>
+            <a:endParaRPr b="0" lang="de-DE" sz="3200" spc="-1" strike="noStrike">
+              <a:latin typeface="Arial"/>
             </a:endParaRPr>
           </a:p>
         </p:txBody>
       </p:sp>
       <p:sp>
         <p:nvSpPr>
-          <p:cNvPr id="24" name="PlaceHolder 3"/>
+          <p:cNvPr id="21" name="PlaceHolder 3"/>
           <p:cNvSpPr>
             <a:spLocks noGrp="1"/>
           </p:cNvSpPr>
@@ -1389,18 +1303,15 @@
             <a:normAutofit/>
           </a:bodyPr>
           <a:p>
-            <a:endParaRPr b="0" lang="de-DE" sz="2800" spc="-1" strike="noStrike">
-              <a:solidFill>
-                <a:srgbClr val="000000"/>
-              </a:solidFill>
-              <a:latin typeface="Calibri"/>
+            <a:endParaRPr b="0" lang="de-DE" sz="3200" spc="-1" strike="noStrike">
+              <a:latin typeface="Arial"/>
             </a:endParaRPr>
           </a:p>
         </p:txBody>
       </p:sp>
       <p:sp>
         <p:nvSpPr>
-          <p:cNvPr id="25" name="PlaceHolder 4"/>
+          <p:cNvPr id="22" name="PlaceHolder 4"/>
           <p:cNvSpPr>
             <a:spLocks noGrp="1"/>
           </p:cNvSpPr>
@@ -1422,11 +1333,8 @@
             <a:normAutofit/>
           </a:bodyPr>
           <a:p>
-            <a:endParaRPr b="0" lang="de-DE" sz="2800" spc="-1" strike="noStrike">
-              <a:solidFill>
-                <a:srgbClr val="000000"/>
-              </a:solidFill>
-              <a:latin typeface="Calibri"/>
+            <a:endParaRPr b="0" lang="de-DE" sz="3200" spc="-1" strike="noStrike">
+              <a:latin typeface="Arial"/>
             </a:endParaRPr>
           </a:p>
         </p:txBody>
@@ -1473,34 +1381,23 @@
         <p:spPr>
           <a:xfrm>
             <a:off x="1523880" y="1122480"/>
-            <a:ext cx="9143640" cy="2387160"/>
+            <a:ext cx="9143280" cy="2386800"/>
           </a:xfrm>
           <a:prstGeom prst="rect">
             <a:avLst/>
           </a:prstGeom>
         </p:spPr>
         <p:txBody>
-          <a:bodyPr anchor="b"/>
-          <a:p>
-            <a:pPr algn="ctr">
-              <a:lnSpc>
-                <a:spcPct val="100000"/>
-              </a:lnSpc>
-            </a:pPr>
+          <a:bodyPr lIns="0" rIns="0" tIns="0" bIns="0" anchor="ctr"/>
+          <a:p>
             <a:r>
-              <a:rPr b="0" lang="de-DE" sz="6000" spc="-1" strike="noStrike">
-                <a:solidFill>
-                  <a:srgbClr val="000000"/>
-                </a:solidFill>
-                <a:latin typeface="Calibri Light"/>
+              <a:rPr b="0" lang="de-DE" sz="1800" spc="-1" strike="noStrike">
+                <a:latin typeface="Arial"/>
               </a:rPr>
-              <a:t>Mastertitelformat bearbeiten</a:t>
+              <a:t>Format des Titeltextes durch Klicken bearbeiten</a:t>
             </a:r>
-            <a:endParaRPr b="0" lang="de-DE" sz="6000" spc="-1" strike="noStrike">
-              <a:solidFill>
-                <a:srgbClr val="000000"/>
-              </a:solidFill>
-              <a:latin typeface="Calibri"/>
+            <a:endParaRPr b="0" lang="de-DE" sz="1800" spc="-1" strike="noStrike">
+              <a:latin typeface="Arial"/>
             </a:endParaRPr>
           </a:p>
         </p:txBody>
@@ -1508,118 +1405,6 @@
       <p:sp>
         <p:nvSpPr>
           <p:cNvPr id="1" name="PlaceHolder 2"/>
-          <p:cNvSpPr>
-            <a:spLocks noGrp="1"/>
-          </p:cNvSpPr>
-          <p:nvPr>
-            <p:ph type="dt"/>
-          </p:nvPr>
-        </p:nvSpPr>
-        <p:spPr>
-          <a:xfrm>
-            <a:off x="838080" y="6356520"/>
-            <a:ext cx="2742840" cy="364680"/>
-          </a:xfrm>
-          <a:prstGeom prst="rect">
-            <a:avLst/>
-          </a:prstGeom>
-        </p:spPr>
-        <p:txBody>
-          <a:bodyPr anchor="ctr"/>
-          <a:p>
-            <a:pPr>
-              <a:lnSpc>
-                <a:spcPct val="100000"/>
-              </a:lnSpc>
-            </a:pPr>
-            <a:fld id="{3A5855C7-DCEB-458A-A25E-E71AAFC5ED98}" type="datetime">
-              <a:rPr b="0" lang="de-DE" sz="1200" spc="-1" strike="noStrike">
-                <a:solidFill>
-                  <a:srgbClr val="8b8b8b"/>
-                </a:solidFill>
-                <a:latin typeface="Calibri"/>
-              </a:rPr>
-              <a:t>18.11.18</a:t>
-            </a:fld>
-            <a:endParaRPr b="0" lang="de-DE" sz="1200" spc="-1" strike="noStrike">
-              <a:latin typeface="Times New Roman"/>
-            </a:endParaRPr>
-          </a:p>
-        </p:txBody>
-      </p:sp>
-      <p:sp>
-        <p:nvSpPr>
-          <p:cNvPr id="2" name="PlaceHolder 3"/>
-          <p:cNvSpPr>
-            <a:spLocks noGrp="1"/>
-          </p:cNvSpPr>
-          <p:nvPr>
-            <p:ph type="ftr"/>
-          </p:nvPr>
-        </p:nvSpPr>
-        <p:spPr>
-          <a:xfrm>
-            <a:off x="4038480" y="6356520"/>
-            <a:ext cx="4114440" cy="364680"/>
-          </a:xfrm>
-          <a:prstGeom prst="rect">
-            <a:avLst/>
-          </a:prstGeom>
-        </p:spPr>
-        <p:txBody>
-          <a:bodyPr anchor="ctr"/>
-          <a:p>
-            <a:endParaRPr b="0" lang="de-DE" sz="2400" spc="-1" strike="noStrike">
-              <a:latin typeface="Times New Roman"/>
-            </a:endParaRPr>
-          </a:p>
-        </p:txBody>
-      </p:sp>
-      <p:sp>
-        <p:nvSpPr>
-          <p:cNvPr id="3" name="PlaceHolder 4"/>
-          <p:cNvSpPr>
-            <a:spLocks noGrp="1"/>
-          </p:cNvSpPr>
-          <p:nvPr>
-            <p:ph type="sldNum"/>
-          </p:nvPr>
-        </p:nvSpPr>
-        <p:spPr>
-          <a:xfrm>
-            <a:off x="8610480" y="6356520"/>
-            <a:ext cx="2742840" cy="364680"/>
-          </a:xfrm>
-          <a:prstGeom prst="rect">
-            <a:avLst/>
-          </a:prstGeom>
-        </p:spPr>
-        <p:txBody>
-          <a:bodyPr anchor="ctr"/>
-          <a:p>
-            <a:pPr algn="r">
-              <a:lnSpc>
-                <a:spcPct val="100000"/>
-              </a:lnSpc>
-            </a:pPr>
-            <a:fld id="{8F7A0143-DB1D-4B45-A755-8D049E243406}" type="slidenum">
-              <a:rPr b="0" lang="de-DE" sz="1200" spc="-1" strike="noStrike">
-                <a:solidFill>
-                  <a:srgbClr val="8b8b8b"/>
-                </a:solidFill>
-                <a:latin typeface="Calibri"/>
-              </a:rPr>
-              <a:t>&lt;Foliennummer&gt;</a:t>
-            </a:fld>
-            <a:endParaRPr b="0" lang="de-DE" sz="1200" spc="-1" strike="noStrike">
-              <a:latin typeface="Times New Roman"/>
-            </a:endParaRPr>
-          </a:p>
-        </p:txBody>
-      </p:sp>
-      <p:sp>
-        <p:nvSpPr>
-          <p:cNvPr id="4" name="PlaceHolder 5"/>
           <p:cNvSpPr>
             <a:spLocks noGrp="1"/>
           </p:cNvSpPr>
@@ -1653,19 +1438,13 @@
               <a:buChar char=""/>
             </a:pPr>
             <a:r>
-              <a:rPr b="0" lang="de-DE" sz="2800" spc="-1" strike="noStrike">
-                <a:solidFill>
-                  <a:srgbClr val="000000"/>
-                </a:solidFill>
-                <a:latin typeface="Calibri"/>
+              <a:rPr b="0" lang="de-DE" sz="3200" spc="-1" strike="noStrike">
+                <a:latin typeface="Arial"/>
               </a:rPr>
               <a:t>Format des Gliederungstextes durch Klicken bearbeiten</a:t>
             </a:r>
-            <a:endParaRPr b="0" lang="de-DE" sz="2800" spc="-1" strike="noStrike">
-              <a:solidFill>
-                <a:srgbClr val="000000"/>
-              </a:solidFill>
-              <a:latin typeface="Calibri"/>
+            <a:endParaRPr b="0" lang="de-DE" sz="3200" spc="-1" strike="noStrike">
+              <a:latin typeface="Arial"/>
             </a:endParaRPr>
           </a:p>
           <a:p>
@@ -1681,19 +1460,13 @@
               <a:buChar char=""/>
             </a:pPr>
             <a:r>
-              <a:rPr b="0" lang="de-DE" sz="2000" spc="-1" strike="noStrike">
-                <a:solidFill>
-                  <a:srgbClr val="000000"/>
-                </a:solidFill>
-                <a:latin typeface="Calibri"/>
+              <a:rPr b="0" lang="de-DE" sz="2800" spc="-1" strike="noStrike">
+                <a:latin typeface="Arial"/>
               </a:rPr>
               <a:t>Zweite Gliederungsebene</a:t>
             </a:r>
-            <a:endParaRPr b="0" lang="de-DE" sz="2000" spc="-1" strike="noStrike">
-              <a:solidFill>
-                <a:srgbClr val="000000"/>
-              </a:solidFill>
-              <a:latin typeface="Calibri"/>
+            <a:endParaRPr b="0" lang="de-DE" sz="2800" spc="-1" strike="noStrike">
+              <a:latin typeface="Arial"/>
             </a:endParaRPr>
           </a:p>
           <a:p>
@@ -1709,19 +1482,13 @@
               <a:buChar char=""/>
             </a:pPr>
             <a:r>
-              <a:rPr b="0" lang="de-DE" sz="1800" spc="-1" strike="noStrike">
-                <a:solidFill>
-                  <a:srgbClr val="000000"/>
-                </a:solidFill>
-                <a:latin typeface="Calibri"/>
+              <a:rPr b="0" lang="de-DE" sz="2400" spc="-1" strike="noStrike">
+                <a:latin typeface="Arial"/>
               </a:rPr>
               <a:t>Dritte Gliederungsebene</a:t>
             </a:r>
-            <a:endParaRPr b="0" lang="de-DE" sz="1800" spc="-1" strike="noStrike">
-              <a:solidFill>
-                <a:srgbClr val="000000"/>
-              </a:solidFill>
-              <a:latin typeface="Calibri"/>
+            <a:endParaRPr b="0" lang="de-DE" sz="2400" spc="-1" strike="noStrike">
+              <a:latin typeface="Arial"/>
             </a:endParaRPr>
           </a:p>
           <a:p>
@@ -1737,19 +1504,13 @@
               <a:buChar char=""/>
             </a:pPr>
             <a:r>
-              <a:rPr b="0" lang="de-DE" sz="1800" spc="-1" strike="noStrike">
-                <a:solidFill>
-                  <a:srgbClr val="000000"/>
-                </a:solidFill>
-                <a:latin typeface="Calibri"/>
+              <a:rPr b="0" lang="de-DE" sz="2000" spc="-1" strike="noStrike">
+                <a:latin typeface="Arial"/>
               </a:rPr>
               <a:t>Vierte Gliederungsebene</a:t>
             </a:r>
-            <a:endParaRPr b="0" lang="de-DE" sz="1800" spc="-1" strike="noStrike">
-              <a:solidFill>
-                <a:srgbClr val="000000"/>
-              </a:solidFill>
-              <a:latin typeface="Calibri"/>
+            <a:endParaRPr b="0" lang="de-DE" sz="2000" spc="-1" strike="noStrike">
+              <a:latin typeface="Arial"/>
             </a:endParaRPr>
           </a:p>
           <a:p>
@@ -1766,18 +1527,12 @@
             </a:pPr>
             <a:r>
               <a:rPr b="0" lang="de-DE" sz="2000" spc="-1" strike="noStrike">
-                <a:solidFill>
-                  <a:srgbClr val="000000"/>
-                </a:solidFill>
-                <a:latin typeface="Calibri"/>
+                <a:latin typeface="Arial"/>
               </a:rPr>
               <a:t>Fünfte Gliederungsebene</a:t>
             </a:r>
             <a:endParaRPr b="0" lang="de-DE" sz="2000" spc="-1" strike="noStrike">
-              <a:solidFill>
-                <a:srgbClr val="000000"/>
-              </a:solidFill>
-              <a:latin typeface="Calibri"/>
+              <a:latin typeface="Arial"/>
             </a:endParaRPr>
           </a:p>
           <a:p>
@@ -1794,18 +1549,12 @@
             </a:pPr>
             <a:r>
               <a:rPr b="0" lang="de-DE" sz="2000" spc="-1" strike="noStrike">
-                <a:solidFill>
-                  <a:srgbClr val="000000"/>
-                </a:solidFill>
-                <a:latin typeface="Calibri"/>
+                <a:latin typeface="Arial"/>
               </a:rPr>
               <a:t>Sechste Gliederungsebene</a:t>
             </a:r>
             <a:endParaRPr b="0" lang="de-DE" sz="2000" spc="-1" strike="noStrike">
-              <a:solidFill>
-                <a:srgbClr val="000000"/>
-              </a:solidFill>
-              <a:latin typeface="Calibri"/>
+              <a:latin typeface="Arial"/>
             </a:endParaRPr>
           </a:p>
           <a:p>
@@ -1822,18 +1571,12 @@
             </a:pPr>
             <a:r>
               <a:rPr b="0" lang="de-DE" sz="2000" spc="-1" strike="noStrike">
-                <a:solidFill>
-                  <a:srgbClr val="000000"/>
-                </a:solidFill>
-                <a:latin typeface="Calibri"/>
+                <a:latin typeface="Arial"/>
               </a:rPr>
               <a:t>Siebte Gliederungsebene</a:t>
             </a:r>
             <a:endParaRPr b="0" lang="de-DE" sz="2000" spc="-1" strike="noStrike">
-              <a:solidFill>
-                <a:srgbClr val="000000"/>
-              </a:solidFill>
-              <a:latin typeface="Calibri"/>
+              <a:latin typeface="Arial"/>
             </a:endParaRPr>
           </a:p>
         </p:txBody>
@@ -1877,14 +1620,14 @@
       </p:grpSpPr>
       <p:sp>
         <p:nvSpPr>
-          <p:cNvPr id="41" name="CustomShape 1"/>
+          <p:cNvPr id="38" name="CustomShape 1"/>
           <p:cNvSpPr/>
           <p:nvPr/>
         </p:nvSpPr>
         <p:spPr>
           <a:xfrm>
             <a:off x="5495400" y="2458080"/>
-            <a:ext cx="1591200" cy="12240"/>
+            <a:ext cx="1590840" cy="11880"/>
           </a:xfrm>
           <a:prstGeom prst="bentConnector3">
             <a:avLst>
@@ -1896,6 +1639,7 @@
             <a:solidFill>
               <a:schemeClr val="accent6"/>
             </a:solidFill>
+            <a:round/>
           </a:ln>
         </p:spPr>
         <p:style>
@@ -1913,14 +1657,14 @@
       </p:sp>
       <p:sp>
         <p:nvSpPr>
-          <p:cNvPr id="42" name="CustomShape 2"/>
+          <p:cNvPr id="39" name="CustomShape 2"/>
           <p:cNvSpPr/>
           <p:nvPr/>
         </p:nvSpPr>
         <p:spPr>
           <a:xfrm>
             <a:off x="4001040" y="4877280"/>
-            <a:ext cx="1520640" cy="32760"/>
+            <a:ext cx="1520280" cy="32400"/>
           </a:xfrm>
           <a:prstGeom prst="bentConnector3">
             <a:avLst>
@@ -1935,6 +1679,7 @@
                 <a:lumOff val="40000"/>
               </a:schemeClr>
             </a:solidFill>
+            <a:round/>
           </a:ln>
         </p:spPr>
         <p:style>
@@ -1952,14 +1697,14 @@
       </p:sp>
       <p:sp>
         <p:nvSpPr>
-          <p:cNvPr id="43" name="CustomShape 3"/>
+          <p:cNvPr id="40" name="CustomShape 3"/>
           <p:cNvSpPr/>
           <p:nvPr/>
         </p:nvSpPr>
         <p:spPr>
           <a:xfrm flipH="1">
             <a:off x="3490560" y="4910400"/>
-            <a:ext cx="3595320" cy="1171080"/>
+            <a:ext cx="3594960" cy="1170720"/>
           </a:xfrm>
           <a:prstGeom prst="bentConnector5">
             <a:avLst>
@@ -1976,6 +1721,7 @@
                 <a:lumOff val="40000"/>
               </a:schemeClr>
             </a:solidFill>
+            <a:round/>
             <a:tailEnd len="med" type="triangle" w="med"/>
           </a:ln>
         </p:spPr>
@@ -1994,14 +1740,14 @@
       </p:sp>
       <p:sp>
         <p:nvSpPr>
-          <p:cNvPr id="44" name="CustomShape 4"/>
+          <p:cNvPr id="41" name="CustomShape 4"/>
           <p:cNvSpPr/>
           <p:nvPr/>
         </p:nvSpPr>
         <p:spPr>
           <a:xfrm flipH="1">
             <a:off x="2435400" y="3729240"/>
-            <a:ext cx="3427560" cy="1147680"/>
+            <a:ext cx="3427200" cy="1147320"/>
           </a:xfrm>
           <a:prstGeom prst="bentConnector5">
             <a:avLst>
@@ -2018,6 +1764,7 @@
                 <a:lumOff val="40000"/>
               </a:schemeClr>
             </a:solidFill>
+            <a:round/>
             <a:tailEnd len="med" type="triangle" w="med"/>
           </a:ln>
         </p:spPr>
@@ -2036,14 +1783,14 @@
       </p:sp>
       <p:sp>
         <p:nvSpPr>
-          <p:cNvPr id="45" name="CustomShape 5"/>
+          <p:cNvPr id="42" name="CustomShape 5"/>
           <p:cNvSpPr/>
           <p:nvPr/>
         </p:nvSpPr>
         <p:spPr>
           <a:xfrm flipH="1">
             <a:off x="3929760" y="1357560"/>
-            <a:ext cx="3398760" cy="1100160"/>
+            <a:ext cx="3398400" cy="1099800"/>
           </a:xfrm>
           <a:prstGeom prst="bentConnector5">
             <a:avLst>
@@ -2057,6 +1804,7 @@
             <a:solidFill>
               <a:schemeClr val="accent6"/>
             </a:solidFill>
+            <a:round/>
             <a:tailEnd len="med" type="triangle" w="med"/>
           </a:ln>
         </p:spPr>
@@ -2075,19 +1823,21 @@
       </p:sp>
       <p:sp>
         <p:nvSpPr>
-          <p:cNvPr id="46" name="CustomShape 6"/>
+          <p:cNvPr id="43" name="CustomShape 6"/>
           <p:cNvSpPr/>
           <p:nvPr/>
         </p:nvSpPr>
         <p:spPr>
           <a:xfrm>
             <a:off x="5764680" y="995040"/>
-            <a:ext cx="1564560" cy="725040"/>
+            <a:ext cx="1564200" cy="724680"/>
           </a:xfrm>
           <a:prstGeom prst="rect">
             <a:avLst/>
           </a:prstGeom>
-          <a:ln/>
+          <a:ln>
+            <a:round/>
+          </a:ln>
           <a:effectLst>
             <a:outerShdw algn="t" blurRad="50800" dir="5400000" dist="38100" rotWithShape="0">
               <a:srgbClr val="000000">
@@ -2124,6 +1874,7 @@
                   <a:srgbClr val="ffffff"/>
                 </a:solidFill>
                 <a:latin typeface="Calibri"/>
+                <a:ea typeface="DejaVu Sans"/>
               </a:rPr>
               <a:t>Der Kunde hat Kaffee bestellt</a:t>
             </a:r>
@@ -2135,19 +1886,21 @@
       </p:sp>
       <p:sp>
         <p:nvSpPr>
-          <p:cNvPr id="47" name="CustomShape 7"/>
+          <p:cNvPr id="44" name="CustomShape 7"/>
           <p:cNvSpPr/>
           <p:nvPr/>
         </p:nvSpPr>
         <p:spPr>
           <a:xfrm>
             <a:off x="8928000" y="907920"/>
-            <a:ext cx="1564560" cy="725040"/>
+            <a:ext cx="1564200" cy="724680"/>
           </a:xfrm>
           <a:prstGeom prst="rect">
             <a:avLst/>
           </a:prstGeom>
-          <a:ln/>
+          <a:ln>
+            <a:round/>
+          </a:ln>
           <a:effectLst>
             <a:outerShdw algn="t" blurRad="50800" dir="5400000" dist="38100" rotWithShape="0">
               <a:srgbClr val="000000">
@@ -2184,6 +1937,7 @@
                   <a:srgbClr val="ffffff"/>
                 </a:solidFill>
                 <a:latin typeface="Calibri"/>
+                <a:ea typeface="DejaVu Sans"/>
               </a:rPr>
               <a:t>Die Bedienung hat eine neue Bestellung angelegt</a:t>
             </a:r>
@@ -2195,19 +1949,21 @@
       </p:sp>
       <p:sp>
         <p:nvSpPr>
-          <p:cNvPr id="48" name="CustomShape 8"/>
+          <p:cNvPr id="45" name="CustomShape 8"/>
           <p:cNvSpPr/>
           <p:nvPr/>
         </p:nvSpPr>
         <p:spPr>
           <a:xfrm>
             <a:off x="7086960" y="2095560"/>
-            <a:ext cx="1564560" cy="725040"/>
+            <a:ext cx="1564200" cy="724680"/>
           </a:xfrm>
           <a:prstGeom prst="rect">
             <a:avLst/>
           </a:prstGeom>
-          <a:ln/>
+          <a:ln>
+            <a:round/>
+          </a:ln>
           <a:effectLst>
             <a:outerShdw algn="t" blurRad="50800" dir="5400000" dist="38100" rotWithShape="0">
               <a:srgbClr val="000000">
@@ -2244,6 +2000,7 @@
                   <a:srgbClr val="ffffff"/>
                 </a:solidFill>
                 <a:latin typeface="Calibri"/>
+                <a:ea typeface="DejaVu Sans"/>
               </a:rPr>
               <a:t>Die Bedienung hat die Bestellung validiert </a:t>
             </a:r>
@@ -2255,19 +2012,21 @@
       </p:sp>
       <p:sp>
         <p:nvSpPr>
-          <p:cNvPr id="49" name="CustomShape 9"/>
+          <p:cNvPr id="46" name="CustomShape 9"/>
           <p:cNvSpPr/>
           <p:nvPr/>
         </p:nvSpPr>
         <p:spPr>
           <a:xfrm>
             <a:off x="2436120" y="4514760"/>
-            <a:ext cx="1564560" cy="725040"/>
+            <a:ext cx="1564200" cy="724680"/>
           </a:xfrm>
           <a:prstGeom prst="rect">
             <a:avLst/>
           </a:prstGeom>
-          <a:ln/>
+          <a:ln>
+            <a:round/>
+          </a:ln>
           <a:effectLst>
             <a:outerShdw algn="t" blurRad="50800" dir="5400000" dist="38100" rotWithShape="0">
               <a:srgbClr val="000000">
@@ -2304,6 +2063,7 @@
                   <a:srgbClr val="ffffff"/>
                 </a:solidFill>
                 <a:latin typeface="Calibri"/>
+                <a:ea typeface="DejaVu Sans"/>
               </a:rPr>
               <a:t>Das Lager hat die Zutaten bereitgestellt</a:t>
             </a:r>
@@ -2315,19 +2075,21 @@
       </p:sp>
       <p:sp>
         <p:nvSpPr>
-          <p:cNvPr id="50" name="CustomShape 10"/>
+          <p:cNvPr id="47" name="CustomShape 10"/>
           <p:cNvSpPr/>
           <p:nvPr/>
         </p:nvSpPr>
         <p:spPr>
           <a:xfrm>
             <a:off x="5522040" y="4547880"/>
-            <a:ext cx="1564560" cy="725040"/>
+            <a:ext cx="1564200" cy="724680"/>
           </a:xfrm>
           <a:prstGeom prst="rect">
             <a:avLst/>
           </a:prstGeom>
-          <a:ln/>
+          <a:ln>
+            <a:round/>
+          </a:ln>
           <a:effectLst>
             <a:outerShdw algn="t" blurRad="50800" dir="5400000" dist="38100" rotWithShape="0">
               <a:srgbClr val="000000">
@@ -2364,6 +2126,7 @@
                   <a:srgbClr val="ffffff"/>
                 </a:solidFill>
                 <a:latin typeface="Calibri"/>
+                <a:ea typeface="DejaVu Sans"/>
               </a:rPr>
               <a:t>Der Barista hat den Kaffee zubereitet.</a:t>
             </a:r>
@@ -2375,19 +2138,21 @@
       </p:sp>
       <p:sp>
         <p:nvSpPr>
-          <p:cNvPr id="51" name="CustomShape 11"/>
+          <p:cNvPr id="48" name="CustomShape 11"/>
           <p:cNvSpPr/>
           <p:nvPr/>
         </p:nvSpPr>
         <p:spPr>
           <a:xfrm>
             <a:off x="6621120" y="5748840"/>
-            <a:ext cx="1564560" cy="725040"/>
+            <a:ext cx="1564200" cy="724680"/>
           </a:xfrm>
           <a:prstGeom prst="rect">
             <a:avLst/>
           </a:prstGeom>
-          <a:ln/>
+          <a:ln>
+            <a:round/>
+          </a:ln>
           <a:effectLst>
             <a:outerShdw algn="t" blurRad="50800" dir="5400000" dist="38100" rotWithShape="0">
               <a:srgbClr val="000000">
@@ -2424,6 +2189,7 @@
                   <a:srgbClr val="ffffff"/>
                 </a:solidFill>
                 <a:latin typeface="Calibri"/>
+                <a:ea typeface="DejaVu Sans"/>
               </a:rPr>
               <a:t>Der Kunde hat den Kaffee entgegen genommen</a:t>
             </a:r>
@@ -2435,19 +2201,21 @@
       </p:sp>
       <p:sp>
         <p:nvSpPr>
-          <p:cNvPr id="52" name="CustomShape 12"/>
+          <p:cNvPr id="49" name="CustomShape 12"/>
           <p:cNvSpPr/>
           <p:nvPr/>
         </p:nvSpPr>
         <p:spPr>
           <a:xfrm>
             <a:off x="3930480" y="2095560"/>
-            <a:ext cx="1564560" cy="725040"/>
+            <a:ext cx="1564200" cy="724680"/>
           </a:xfrm>
           <a:prstGeom prst="rect">
             <a:avLst/>
           </a:prstGeom>
-          <a:ln/>
+          <a:ln>
+            <a:round/>
+          </a:ln>
           <a:effectLst>
             <a:outerShdw algn="t" blurRad="50800" dir="5400000" dist="38100" rotWithShape="0">
               <a:srgbClr val="000000">
@@ -2484,6 +2252,7 @@
                   <a:srgbClr val="ffffff"/>
                 </a:solidFill>
                 <a:latin typeface="Calibri"/>
+                <a:ea typeface="DejaVu Sans"/>
               </a:rPr>
               <a:t>Das Lager hat genug Zutaten da.</a:t>
             </a:r>
@@ -2495,19 +2264,21 @@
       </p:sp>
       <p:sp>
         <p:nvSpPr>
-          <p:cNvPr id="53" name="CustomShape 13"/>
+          <p:cNvPr id="50" name="CustomShape 13"/>
           <p:cNvSpPr/>
           <p:nvPr/>
         </p:nvSpPr>
         <p:spPr>
           <a:xfrm>
             <a:off x="3491280" y="5719320"/>
-            <a:ext cx="1564560" cy="725040"/>
+            <a:ext cx="1564200" cy="724680"/>
           </a:xfrm>
           <a:prstGeom prst="rect">
             <a:avLst/>
           </a:prstGeom>
-          <a:ln/>
+          <a:ln>
+            <a:round/>
+          </a:ln>
           <a:effectLst>
             <a:outerShdw algn="t" blurRad="50800" dir="5400000" dist="38100" rotWithShape="0">
               <a:srgbClr val="000000">
@@ -2544,6 +2315,7 @@
                   <a:srgbClr val="ffffff"/>
                 </a:solidFill>
                 <a:latin typeface="Calibri"/>
+                <a:ea typeface="DejaVu Sans"/>
               </a:rPr>
               <a:t>Die Bedienung hat den Kaffee serviert</a:t>
             </a:r>
@@ -2555,19 +2327,21 @@
       </p:sp>
       <p:sp>
         <p:nvSpPr>
-          <p:cNvPr id="54" name="CustomShape 14"/>
+          <p:cNvPr id="51" name="CustomShape 14"/>
           <p:cNvSpPr/>
           <p:nvPr/>
         </p:nvSpPr>
         <p:spPr>
           <a:xfrm>
             <a:off x="7331400" y="948240"/>
-            <a:ext cx="1564560" cy="725040"/>
+            <a:ext cx="1564200" cy="724680"/>
           </a:xfrm>
           <a:prstGeom prst="rect">
             <a:avLst/>
           </a:prstGeom>
-          <a:ln/>
+          <a:ln>
+            <a:round/>
+          </a:ln>
           <a:effectLst>
             <a:outerShdw algn="t" blurRad="50800" dir="5400000" dist="38100" rotWithShape="0">
               <a:srgbClr val="000000">
@@ -2602,6 +2376,7 @@
                   <a:srgbClr val="000000"/>
                 </a:solidFill>
                 <a:latin typeface="Calibri"/>
+                <a:ea typeface="DejaVu Sans"/>
               </a:rPr>
               <a:t>Bestellvorgang anlegen</a:t>
             </a:r>
@@ -2613,19 +2388,21 @@
       </p:sp>
       <p:sp>
         <p:nvSpPr>
-          <p:cNvPr id="55" name="CustomShape 15"/>
+          <p:cNvPr id="52" name="CustomShape 15"/>
           <p:cNvSpPr/>
           <p:nvPr/>
         </p:nvSpPr>
         <p:spPr>
           <a:xfrm>
             <a:off x="2365560" y="2129760"/>
-            <a:ext cx="1564560" cy="725040"/>
+            <a:ext cx="1564200" cy="724680"/>
           </a:xfrm>
           <a:prstGeom prst="rect">
             <a:avLst/>
           </a:prstGeom>
-          <a:ln/>
+          <a:ln>
+            <a:round/>
+          </a:ln>
           <a:effectLst>
             <a:outerShdw algn="t" blurRad="50800" dir="5400000" dist="38100" rotWithShape="0">
               <a:srgbClr val="000000">
@@ -2660,6 +2437,7 @@
                   <a:srgbClr val="000000"/>
                 </a:solidFill>
                 <a:latin typeface="Calibri"/>
+                <a:ea typeface="DejaVu Sans"/>
               </a:rPr>
               <a:t>Lagerbestand</a:t>
             </a:r>
@@ -2679,6 +2457,7 @@
                   <a:srgbClr val="000000"/>
                 </a:solidFill>
                 <a:latin typeface="Calibri"/>
+                <a:ea typeface="DejaVu Sans"/>
               </a:rPr>
               <a:t>prüfen</a:t>
             </a:r>
@@ -2690,19 +2469,21 @@
       </p:sp>
       <p:sp>
         <p:nvSpPr>
-          <p:cNvPr id="56" name="CustomShape 16"/>
+          <p:cNvPr id="53" name="CustomShape 16"/>
           <p:cNvSpPr/>
           <p:nvPr/>
         </p:nvSpPr>
         <p:spPr>
           <a:xfrm>
             <a:off x="5486400" y="2109600"/>
-            <a:ext cx="1564560" cy="725040"/>
+            <a:ext cx="1564200" cy="724680"/>
           </a:xfrm>
           <a:prstGeom prst="rect">
             <a:avLst/>
           </a:prstGeom>
-          <a:ln/>
+          <a:ln>
+            <a:round/>
+          </a:ln>
           <a:effectLst>
             <a:outerShdw algn="t" blurRad="50800" dir="5400000" dist="38100" rotWithShape="0">
               <a:srgbClr val="000000">
@@ -2737,6 +2518,7 @@
                   <a:srgbClr val="000000"/>
                 </a:solidFill>
                 <a:latin typeface="Calibri"/>
+                <a:ea typeface="DejaVu Sans"/>
               </a:rPr>
               <a:t>ausreichenden Lagerbestand vermerken</a:t>
             </a:r>
@@ -2758,14 +2540,14 @@
       </p:sp>
       <p:sp>
         <p:nvSpPr>
-          <p:cNvPr id="57" name="CustomShape 17"/>
+          <p:cNvPr id="54" name="CustomShape 17"/>
           <p:cNvSpPr/>
           <p:nvPr/>
         </p:nvSpPr>
         <p:spPr>
           <a:xfrm>
             <a:off x="7696080" y="1482480"/>
-            <a:ext cx="799920" cy="156240"/>
+            <a:ext cx="799560" cy="155880"/>
           </a:xfrm>
           <a:prstGeom prst="rightArrow">
             <a:avLst>
@@ -2773,7 +2555,16 @@
               <a:gd name="adj2" fmla="val 74348"/>
             </a:avLst>
           </a:prstGeom>
-          <a:ln/>
+          <a:ln>
+            <a:noFill/>
+          </a:ln>
+          <a:effectLst>
+            <a:outerShdw blurRad="40000" dir="5400000" dist="20000" rotWithShape="0">
+              <a:srgbClr val="000000">
+                <a:alpha val="38000"/>
+              </a:srgbClr>
+            </a:outerShdw>
+          </a:effectLst>
         </p:spPr>
         <p:style>
           <a:lnRef idx="3">
@@ -2790,19 +2581,21 @@
       </p:sp>
       <p:sp>
         <p:nvSpPr>
-          <p:cNvPr id="58" name="CustomShape 18"/>
+          <p:cNvPr id="55" name="CustomShape 18"/>
           <p:cNvSpPr/>
           <p:nvPr/>
         </p:nvSpPr>
         <p:spPr>
           <a:xfrm>
             <a:off x="4299480" y="3366720"/>
-            <a:ext cx="1564560" cy="725040"/>
+            <a:ext cx="1564200" cy="724680"/>
           </a:xfrm>
           <a:prstGeom prst="rect">
             <a:avLst/>
           </a:prstGeom>
-          <a:ln/>
+          <a:ln>
+            <a:round/>
+          </a:ln>
           <a:effectLst>
             <a:outerShdw algn="t" blurRad="50800" dir="5400000" dist="38100" rotWithShape="0">
               <a:srgbClr val="000000">
@@ -2839,6 +2632,7 @@
                   <a:srgbClr val="ffffff"/>
                 </a:solidFill>
                 <a:latin typeface="Calibri"/>
+                <a:ea typeface="DejaVu Sans"/>
               </a:rPr>
               <a:t>Der Kunde hat bezahlt</a:t>
             </a:r>
@@ -2850,19 +2644,21 @@
       </p:sp>
       <p:sp>
         <p:nvSpPr>
-          <p:cNvPr id="59" name="CustomShape 19"/>
+          <p:cNvPr id="56" name="CustomShape 19"/>
           <p:cNvSpPr/>
           <p:nvPr/>
         </p:nvSpPr>
         <p:spPr>
           <a:xfrm>
             <a:off x="5798520" y="3345120"/>
-            <a:ext cx="1564560" cy="725040"/>
+            <a:ext cx="1564200" cy="724680"/>
           </a:xfrm>
           <a:prstGeom prst="rect">
             <a:avLst/>
           </a:prstGeom>
-          <a:ln/>
+          <a:ln>
+            <a:round/>
+          </a:ln>
           <a:effectLst>
             <a:outerShdw algn="t" blurRad="50800" dir="5400000" dist="38100" rotWithShape="0">
               <a:srgbClr val="000000">
@@ -2897,6 +2693,7 @@
                   <a:srgbClr val="000000"/>
                 </a:solidFill>
                 <a:latin typeface="Calibri"/>
+                <a:ea typeface="DejaVu Sans"/>
               </a:rPr>
               <a:t>Bezahlung</a:t>
             </a:r>
@@ -2916,6 +2713,7 @@
                   <a:srgbClr val="000000"/>
                 </a:solidFill>
                 <a:latin typeface="Calibri"/>
+                <a:ea typeface="DejaVu Sans"/>
               </a:rPr>
               <a:t>verbuchen</a:t>
             </a:r>
@@ -2927,14 +2725,14 @@
       </p:sp>
       <p:sp>
         <p:nvSpPr>
-          <p:cNvPr id="60" name="CustomShape 20"/>
+          <p:cNvPr id="57" name="CustomShape 20"/>
           <p:cNvSpPr/>
           <p:nvPr/>
         </p:nvSpPr>
         <p:spPr>
           <a:xfrm>
             <a:off x="6176160" y="3871440"/>
-            <a:ext cx="799920" cy="156240"/>
+            <a:ext cx="799560" cy="155880"/>
           </a:xfrm>
           <a:prstGeom prst="rightArrow">
             <a:avLst>
@@ -2942,7 +2740,16 @@
               <a:gd name="adj2" fmla="val 74348"/>
             </a:avLst>
           </a:prstGeom>
-          <a:ln/>
+          <a:ln>
+            <a:noFill/>
+          </a:ln>
+          <a:effectLst>
+            <a:outerShdw blurRad="40000" dir="5400000" dist="20000" rotWithShape="0">
+              <a:srgbClr val="000000">
+                <a:alpha val="38000"/>
+              </a:srgbClr>
+            </a:outerShdw>
+          </a:effectLst>
         </p:spPr>
         <p:style>
           <a:lnRef idx="3">
@@ -2959,19 +2766,21 @@
       </p:sp>
       <p:sp>
         <p:nvSpPr>
-          <p:cNvPr id="61" name="CustomShape 21"/>
+          <p:cNvPr id="58" name="CustomShape 21"/>
           <p:cNvSpPr/>
           <p:nvPr/>
         </p:nvSpPr>
         <p:spPr>
           <a:xfrm>
             <a:off x="7363080" y="3428640"/>
-            <a:ext cx="1564560" cy="725040"/>
+            <a:ext cx="1564200" cy="724680"/>
           </a:xfrm>
           <a:prstGeom prst="rect">
             <a:avLst/>
           </a:prstGeom>
-          <a:ln/>
+          <a:ln>
+            <a:round/>
+          </a:ln>
           <a:effectLst>
             <a:outerShdw algn="t" blurRad="50800" dir="5400000" dist="38100" rotWithShape="0">
               <a:srgbClr val="000000">
@@ -3008,6 +2817,7 @@
                   <a:srgbClr val="ffffff"/>
                 </a:solidFill>
                 <a:latin typeface="Calibri"/>
+                <a:ea typeface="DejaVu Sans"/>
               </a:rPr>
               <a:t>Die Bedienung hat die Bezahlung vermerkt</a:t>
             </a:r>
@@ -3019,19 +2829,21 @@
       </p:sp>
       <p:sp>
         <p:nvSpPr>
-          <p:cNvPr id="62" name="CustomShape 22"/>
+          <p:cNvPr id="59" name="CustomShape 22"/>
           <p:cNvSpPr/>
           <p:nvPr/>
         </p:nvSpPr>
         <p:spPr>
           <a:xfrm>
             <a:off x="8928000" y="3332880"/>
-            <a:ext cx="1564560" cy="725040"/>
+            <a:ext cx="1564200" cy="724680"/>
           </a:xfrm>
           <a:prstGeom prst="rect">
             <a:avLst/>
           </a:prstGeom>
-          <a:ln/>
+          <a:ln>
+            <a:round/>
+          </a:ln>
           <a:effectLst>
             <a:outerShdw algn="t" blurRad="50800" dir="5400000" dist="38100" rotWithShape="0">
               <a:srgbClr val="000000">
@@ -3066,6 +2878,7 @@
                   <a:srgbClr val="000000"/>
                 </a:solidFill>
                 <a:latin typeface="Calibri"/>
+                <a:ea typeface="DejaVu Sans"/>
               </a:rPr>
               <a:t>Zutaten</a:t>
             </a:r>
@@ -3076,6 +2889,7 @@
                   <a:srgbClr val="000000"/>
                 </a:solidFill>
                 <a:latin typeface="Calibri"/>
+                <a:ea typeface="DejaVu Sans"/>
               </a:rPr>
               <a:t>bereitstellen</a:t>
             </a:r>
@@ -3087,19 +2901,21 @@
       </p:sp>
       <p:sp>
         <p:nvSpPr>
-          <p:cNvPr id="63" name="CustomShape 23"/>
+          <p:cNvPr id="60" name="CustomShape 23"/>
           <p:cNvSpPr/>
           <p:nvPr/>
         </p:nvSpPr>
         <p:spPr>
           <a:xfrm>
             <a:off x="4032360" y="4511160"/>
-            <a:ext cx="1564560" cy="725040"/>
+            <a:ext cx="1564200" cy="724680"/>
           </a:xfrm>
           <a:prstGeom prst="rect">
             <a:avLst/>
           </a:prstGeom>
-          <a:ln/>
+          <a:ln>
+            <a:round/>
+          </a:ln>
           <a:effectLst>
             <a:outerShdw algn="t" blurRad="50800" dir="5400000" dist="38100" rotWithShape="0">
               <a:srgbClr val="000000">
@@ -3134,6 +2950,7 @@
                   <a:srgbClr val="000000"/>
                 </a:solidFill>
                 <a:latin typeface="Calibri"/>
+                <a:ea typeface="DejaVu Sans"/>
               </a:rPr>
               <a:t>Kaffee zubereiten</a:t>
             </a:r>
@@ -3155,19 +2972,21 @@
       </p:sp>
       <p:sp>
         <p:nvSpPr>
-          <p:cNvPr id="64" name="CustomShape 24"/>
+          <p:cNvPr id="61" name="CustomShape 24"/>
           <p:cNvSpPr/>
           <p:nvPr/>
         </p:nvSpPr>
         <p:spPr>
           <a:xfrm>
             <a:off x="7118280" y="4572000"/>
-            <a:ext cx="1564560" cy="725040"/>
+            <a:ext cx="1564200" cy="724680"/>
           </a:xfrm>
           <a:prstGeom prst="rect">
             <a:avLst/>
           </a:prstGeom>
-          <a:ln/>
+          <a:ln>
+            <a:round/>
+          </a:ln>
           <a:effectLst>
             <a:outerShdw algn="t" blurRad="50800" dir="5400000" dist="38100" rotWithShape="0">
               <a:srgbClr val="000000">
@@ -3202,6 +3021,7 @@
                   <a:srgbClr val="000000"/>
                 </a:solidFill>
                 <a:latin typeface="Calibri"/>
+                <a:ea typeface="DejaVu Sans"/>
               </a:rPr>
               <a:t>Kaffee servieren</a:t>
             </a:r>
@@ -3223,14 +3043,14 @@
       </p:sp>
       <p:sp>
         <p:nvSpPr>
-          <p:cNvPr id="65" name="CustomShape 25"/>
+          <p:cNvPr id="62" name="CustomShape 25"/>
           <p:cNvSpPr/>
           <p:nvPr/>
         </p:nvSpPr>
         <p:spPr>
           <a:xfrm>
             <a:off x="2826000" y="2656440"/>
-            <a:ext cx="799920" cy="156240"/>
+            <a:ext cx="799560" cy="155880"/>
           </a:xfrm>
           <a:prstGeom prst="rightArrow">
             <a:avLst>
@@ -3238,7 +3058,16 @@
               <a:gd name="adj2" fmla="val 74348"/>
             </a:avLst>
           </a:prstGeom>
-          <a:ln/>
+          <a:ln>
+            <a:noFill/>
+          </a:ln>
+          <a:effectLst>
+            <a:outerShdw blurRad="40000" dir="5400000" dist="20000" rotWithShape="0">
+              <a:srgbClr val="000000">
+                <a:alpha val="38000"/>
+              </a:srgbClr>
+            </a:outerShdw>
+          </a:effectLst>
         </p:spPr>
         <p:style>
           <a:lnRef idx="3">
@@ -3255,14 +3084,14 @@
       </p:sp>
       <p:sp>
         <p:nvSpPr>
-          <p:cNvPr id="66" name="CustomShape 26"/>
+          <p:cNvPr id="63" name="CustomShape 26"/>
           <p:cNvSpPr/>
           <p:nvPr/>
         </p:nvSpPr>
         <p:spPr>
           <a:xfrm>
             <a:off x="9326520" y="3853800"/>
-            <a:ext cx="799920" cy="156240"/>
+            <a:ext cx="799560" cy="155880"/>
           </a:xfrm>
           <a:prstGeom prst="rightArrow">
             <a:avLst>
@@ -3270,7 +3099,16 @@
               <a:gd name="adj2" fmla="val 74348"/>
             </a:avLst>
           </a:prstGeom>
-          <a:ln/>
+          <a:ln>
+            <a:noFill/>
+          </a:ln>
+          <a:effectLst>
+            <a:outerShdw blurRad="40000" dir="5400000" dist="20000" rotWithShape="0">
+              <a:srgbClr val="000000">
+                <a:alpha val="38000"/>
+              </a:srgbClr>
+            </a:outerShdw>
+          </a:effectLst>
         </p:spPr>
         <p:style>
           <a:lnRef idx="3">
@@ -3287,14 +3125,14 @@
       </p:sp>
       <p:sp>
         <p:nvSpPr>
-          <p:cNvPr id="67" name="CustomShape 27"/>
+          <p:cNvPr id="64" name="CustomShape 27"/>
           <p:cNvSpPr/>
           <p:nvPr/>
         </p:nvSpPr>
         <p:spPr>
           <a:xfrm>
             <a:off x="5870520" y="2656440"/>
-            <a:ext cx="799920" cy="156240"/>
+            <a:ext cx="799560" cy="155880"/>
           </a:xfrm>
           <a:prstGeom prst="rightArrow">
             <a:avLst>
@@ -3302,7 +3140,16 @@
               <a:gd name="adj2" fmla="val 74348"/>
             </a:avLst>
           </a:prstGeom>
-          <a:ln/>
+          <a:ln>
+            <a:noFill/>
+          </a:ln>
+          <a:effectLst>
+            <a:outerShdw blurRad="40000" dir="5400000" dist="20000" rotWithShape="0">
+              <a:srgbClr val="000000">
+                <a:alpha val="38000"/>
+              </a:srgbClr>
+            </a:outerShdw>
+          </a:effectLst>
         </p:spPr>
         <p:style>
           <a:lnRef idx="3">
@@ -3319,14 +3166,14 @@
       </p:sp>
       <p:sp>
         <p:nvSpPr>
-          <p:cNvPr id="68" name="CustomShape 28"/>
+          <p:cNvPr id="65" name="CustomShape 28"/>
           <p:cNvSpPr/>
           <p:nvPr/>
         </p:nvSpPr>
         <p:spPr>
           <a:xfrm>
             <a:off x="4416840" y="5056200"/>
-            <a:ext cx="799920" cy="156240"/>
+            <a:ext cx="799560" cy="155880"/>
           </a:xfrm>
           <a:prstGeom prst="rightArrow">
             <a:avLst>
@@ -3334,7 +3181,16 @@
               <a:gd name="adj2" fmla="val 74348"/>
             </a:avLst>
           </a:prstGeom>
-          <a:ln/>
+          <a:ln>
+            <a:noFill/>
+          </a:ln>
+          <a:effectLst>
+            <a:outerShdw blurRad="40000" dir="5400000" dist="20000" rotWithShape="0">
+              <a:srgbClr val="000000">
+                <a:alpha val="38000"/>
+              </a:srgbClr>
+            </a:outerShdw>
+          </a:effectLst>
         </p:spPr>
         <p:style>
           <a:lnRef idx="3">
@@ -3351,14 +3207,14 @@
       </p:sp>
       <p:sp>
         <p:nvSpPr>
-          <p:cNvPr id="69" name="CustomShape 29"/>
+          <p:cNvPr id="66" name="CustomShape 29"/>
           <p:cNvSpPr/>
           <p:nvPr/>
         </p:nvSpPr>
         <p:spPr>
           <a:xfrm>
             <a:off x="7515720" y="5056200"/>
-            <a:ext cx="799920" cy="156240"/>
+            <a:ext cx="799560" cy="155880"/>
           </a:xfrm>
           <a:prstGeom prst="rightArrow">
             <a:avLst>
@@ -3366,7 +3222,16 @@
               <a:gd name="adj2" fmla="val 74348"/>
             </a:avLst>
           </a:prstGeom>
-          <a:ln/>
+          <a:ln>
+            <a:noFill/>
+          </a:ln>
+          <a:effectLst>
+            <a:outerShdw blurRad="40000" dir="5400000" dist="20000" rotWithShape="0">
+              <a:srgbClr val="000000">
+                <a:alpha val="38000"/>
+              </a:srgbClr>
+            </a:outerShdw>
+          </a:effectLst>
         </p:spPr>
         <p:style>
           <a:lnRef idx="3">
@@ -3383,19 +3248,21 @@
       </p:sp>
       <p:sp>
         <p:nvSpPr>
-          <p:cNvPr id="70" name="CustomShape 30"/>
+          <p:cNvPr id="67" name="CustomShape 30"/>
           <p:cNvSpPr/>
           <p:nvPr/>
         </p:nvSpPr>
         <p:spPr>
           <a:xfrm>
             <a:off x="8185680" y="5688000"/>
-            <a:ext cx="1564560" cy="725040"/>
+            <a:ext cx="1564200" cy="724680"/>
           </a:xfrm>
           <a:prstGeom prst="rect">
             <a:avLst/>
           </a:prstGeom>
-          <a:ln/>
+          <a:ln>
+            <a:round/>
+          </a:ln>
           <a:effectLst>
             <a:outerShdw algn="t" blurRad="50800" dir="5400000" dist="38100" rotWithShape="0">
               <a:srgbClr val="000000">
@@ -3430,6 +3297,7 @@
                   <a:srgbClr val="000000"/>
                 </a:solidFill>
                 <a:latin typeface="Calibri"/>
+                <a:ea typeface="DejaVu Sans"/>
               </a:rPr>
               <a:t>Bestellung</a:t>
             </a:r>
@@ -3440,6 +3308,7 @@
                   <a:srgbClr val="000000"/>
                 </a:solidFill>
                 <a:latin typeface="Calibri"/>
+                <a:ea typeface="DejaVu Sans"/>
               </a:rPr>
               <a:t>abschließen</a:t>
             </a:r>
@@ -3461,14 +3330,14 @@
       </p:sp>
       <p:sp>
         <p:nvSpPr>
-          <p:cNvPr id="71" name="CustomShape 31"/>
+          <p:cNvPr id="68" name="CustomShape 31"/>
           <p:cNvSpPr/>
           <p:nvPr/>
         </p:nvSpPr>
         <p:spPr>
           <a:xfrm>
             <a:off x="8583120" y="6172200"/>
-            <a:ext cx="799920" cy="156240"/>
+            <a:ext cx="799560" cy="155880"/>
           </a:xfrm>
           <a:prstGeom prst="rightArrow">
             <a:avLst>
@@ -3476,7 +3345,16 @@
               <a:gd name="adj2" fmla="val 74348"/>
             </a:avLst>
           </a:prstGeom>
-          <a:ln/>
+          <a:ln>
+            <a:noFill/>
+          </a:ln>
+          <a:effectLst>
+            <a:outerShdw blurRad="40000" dir="5400000" dist="20000" rotWithShape="0">
+              <a:srgbClr val="000000">
+                <a:alpha val="38000"/>
+              </a:srgbClr>
+            </a:outerShdw>
+          </a:effectLst>
         </p:spPr>
         <p:style>
           <a:lnRef idx="3">
@@ -3493,19 +3371,21 @@
       </p:sp>
       <p:sp>
         <p:nvSpPr>
-          <p:cNvPr id="72" name="CustomShape 32"/>
+          <p:cNvPr id="69" name="CustomShape 32"/>
           <p:cNvSpPr/>
           <p:nvPr/>
         </p:nvSpPr>
         <p:spPr>
           <a:xfrm>
             <a:off x="9750240" y="5754960"/>
-            <a:ext cx="1564560" cy="725040"/>
+            <a:ext cx="1564200" cy="724680"/>
           </a:xfrm>
           <a:prstGeom prst="rect">
             <a:avLst/>
           </a:prstGeom>
-          <a:ln/>
+          <a:ln>
+            <a:round/>
+          </a:ln>
           <a:effectLst>
             <a:outerShdw algn="t" blurRad="50800" dir="5400000" dist="38100" rotWithShape="0">
               <a:srgbClr val="000000">
@@ -3542,10 +3422,2695 @@
                   <a:srgbClr val="ffffff"/>
                 </a:solidFill>
                 <a:latin typeface="Calibri"/>
+                <a:ea typeface="DejaVu Sans"/>
               </a:rPr>
               <a:t>Die Bedienung hat die Bestellung abgeschlossen</a:t>
             </a:r>
             <a:endParaRPr b="0" lang="de-DE" sz="1200" spc="-1" strike="noStrike">
+              <a:latin typeface="Arial"/>
+            </a:endParaRPr>
+          </a:p>
+        </p:txBody>
+      </p:sp>
+      <p:sp>
+        <p:nvSpPr>
+          <p:cNvPr id="70" name="Freeform 33"/>
+          <p:cNvSpPr/>
+          <p:nvPr/>
+        </p:nvSpPr>
+        <p:spPr>
+          <a:xfrm>
+            <a:off x="6408000" y="549000"/>
+            <a:ext cx="432360" cy="576360"/>
+          </a:xfrm>
+          <a:custGeom>
+            <a:avLst/>
+            <a:gdLst/>
+            <a:ahLst/>
+            <a:rect l="0" t="0" r="r" b="b"/>
+            <a:pathLst>
+              <a:path w="1201" h="1601">
+                <a:moveTo>
+                  <a:pt x="0" y="1600"/>
+                </a:moveTo>
+                <a:lnTo>
+                  <a:pt x="0" y="0"/>
+                </a:lnTo>
+                <a:lnTo>
+                  <a:pt x="800" y="0"/>
+                </a:lnTo>
+                <a:lnTo>
+                  <a:pt x="1200" y="400"/>
+                </a:lnTo>
+                <a:lnTo>
+                  <a:pt x="1200" y="1600"/>
+                </a:lnTo>
+                <a:lnTo>
+                  <a:pt x="0" y="1600"/>
+                </a:lnTo>
+              </a:path>
+            </a:pathLst>
+          </a:custGeom>
+          <a:solidFill>
+            <a:srgbClr val="ffffff"/>
+          </a:solidFill>
+          <a:ln w="14400">
+            <a:solidFill>
+              <a:srgbClr val="000000"/>
+            </a:solidFill>
+            <a:round/>
+          </a:ln>
+        </p:spPr>
+      </p:sp>
+      <p:sp>
+        <p:nvSpPr>
+          <p:cNvPr id="71" name="CustomShape 34"/>
+          <p:cNvSpPr/>
+          <p:nvPr/>
+        </p:nvSpPr>
+        <p:spPr>
+          <a:xfrm>
+            <a:off x="6696000" y="549000"/>
+            <a:ext cx="144000" cy="144000"/>
+          </a:xfrm>
+          <a:custGeom>
+            <a:avLst/>
+            <a:gdLst/>
+            <a:ahLst/>
+            <a:rect l="l" t="t" r="r" b="b"/>
+            <a:pathLst>
+              <a:path w="21600" h="21600">
+                <a:moveTo>
+                  <a:pt x="0" y="0"/>
+                </a:moveTo>
+                <a:lnTo>
+                  <a:pt x="21600" y="21600"/>
+                </a:lnTo>
+                <a:lnTo>
+                  <a:pt x="0" y="21600"/>
+                </a:lnTo>
+                <a:lnTo>
+                  <a:pt x="0" y="0"/>
+                </a:lnTo>
+                <a:close/>
+              </a:path>
+            </a:pathLst>
+          </a:custGeom>
+          <a:solidFill>
+            <a:srgbClr val="ffffff"/>
+          </a:solidFill>
+          <a:ln w="14400">
+            <a:solidFill>
+              <a:srgbClr val="000000"/>
+            </a:solidFill>
+            <a:round/>
+          </a:ln>
+        </p:spPr>
+        <p:style>
+          <a:lnRef idx="0"/>
+          <a:fillRef idx="0"/>
+          <a:effectRef idx="0"/>
+          <a:fontRef idx="minor"/>
+        </p:style>
+      </p:sp>
+      <p:sp>
+        <p:nvSpPr>
+          <p:cNvPr id="72" name="TextShape 35"/>
+          <p:cNvSpPr txBox="1"/>
+          <p:nvPr/>
+        </p:nvSpPr>
+        <p:spPr>
+          <a:xfrm>
+            <a:off x="6408000" y="693000"/>
+            <a:ext cx="432000" cy="405000"/>
+          </a:xfrm>
+          <a:prstGeom prst="rect">
+            <a:avLst/>
+          </a:prstGeom>
+          <a:noFill/>
+          <a:ln>
+            <a:noFill/>
+          </a:ln>
+        </p:spPr>
+        <p:txBody>
+          <a:bodyPr lIns="90000" rIns="90000" tIns="45000" bIns="45000"/>
+          <a:p>
+            <a:r>
+              <a:rPr b="0" lang="de-DE" sz="800" spc="-1" strike="noStrike">
+                <a:latin typeface="Arial"/>
+              </a:rPr>
+              <a:t>Sorte</a:t>
+            </a:r>
+            <a:endParaRPr b="0" lang="de-DE" sz="800" spc="-1" strike="noStrike">
+              <a:latin typeface="Arial"/>
+            </a:endParaRPr>
+          </a:p>
+        </p:txBody>
+      </p:sp>
+      <p:sp>
+        <p:nvSpPr>
+          <p:cNvPr id="73" name="Freeform 36"/>
+          <p:cNvSpPr/>
+          <p:nvPr/>
+        </p:nvSpPr>
+        <p:spPr>
+          <a:xfrm>
+            <a:off x="9461520" y="432000"/>
+            <a:ext cx="432360" cy="576360"/>
+          </a:xfrm>
+          <a:custGeom>
+            <a:avLst/>
+            <a:gdLst/>
+            <a:ahLst/>
+            <a:rect l="0" t="0" r="r" b="b"/>
+            <a:pathLst>
+              <a:path w="1201" h="1601">
+                <a:moveTo>
+                  <a:pt x="0" y="1600"/>
+                </a:moveTo>
+                <a:lnTo>
+                  <a:pt x="0" y="0"/>
+                </a:lnTo>
+                <a:lnTo>
+                  <a:pt x="800" y="0"/>
+                </a:lnTo>
+                <a:lnTo>
+                  <a:pt x="1200" y="400"/>
+                </a:lnTo>
+                <a:lnTo>
+                  <a:pt x="1200" y="1600"/>
+                </a:lnTo>
+                <a:lnTo>
+                  <a:pt x="0" y="1600"/>
+                </a:lnTo>
+              </a:path>
+            </a:pathLst>
+          </a:custGeom>
+          <a:solidFill>
+            <a:srgbClr val="ffffff"/>
+          </a:solidFill>
+          <a:ln w="14400">
+            <a:solidFill>
+              <a:srgbClr val="000000"/>
+            </a:solidFill>
+            <a:round/>
+          </a:ln>
+        </p:spPr>
+      </p:sp>
+      <p:sp>
+        <p:nvSpPr>
+          <p:cNvPr id="74" name="CustomShape 37"/>
+          <p:cNvSpPr/>
+          <p:nvPr/>
+        </p:nvSpPr>
+        <p:spPr>
+          <a:xfrm>
+            <a:off x="9749520" y="432000"/>
+            <a:ext cx="144000" cy="144000"/>
+          </a:xfrm>
+          <a:custGeom>
+            <a:avLst/>
+            <a:gdLst/>
+            <a:ahLst/>
+            <a:rect l="l" t="t" r="r" b="b"/>
+            <a:pathLst>
+              <a:path w="21600" h="21600">
+                <a:moveTo>
+                  <a:pt x="0" y="0"/>
+                </a:moveTo>
+                <a:lnTo>
+                  <a:pt x="21600" y="21600"/>
+                </a:lnTo>
+                <a:lnTo>
+                  <a:pt x="0" y="21600"/>
+                </a:lnTo>
+                <a:lnTo>
+                  <a:pt x="0" y="0"/>
+                </a:lnTo>
+                <a:close/>
+              </a:path>
+            </a:pathLst>
+          </a:custGeom>
+          <a:solidFill>
+            <a:srgbClr val="ffffff"/>
+          </a:solidFill>
+          <a:ln w="14400">
+            <a:solidFill>
+              <a:srgbClr val="000000"/>
+            </a:solidFill>
+            <a:round/>
+          </a:ln>
+        </p:spPr>
+        <p:style>
+          <a:lnRef idx="0"/>
+          <a:fillRef idx="0"/>
+          <a:effectRef idx="0"/>
+          <a:fontRef idx="minor"/>
+        </p:style>
+      </p:sp>
+      <p:sp>
+        <p:nvSpPr>
+          <p:cNvPr id="75" name="TextShape 38"/>
+          <p:cNvSpPr txBox="1"/>
+          <p:nvPr/>
+        </p:nvSpPr>
+        <p:spPr>
+          <a:xfrm>
+            <a:off x="9461520" y="576000"/>
+            <a:ext cx="432000" cy="432000"/>
+          </a:xfrm>
+          <a:prstGeom prst="rect">
+            <a:avLst/>
+          </a:prstGeom>
+          <a:noFill/>
+          <a:ln>
+            <a:noFill/>
+          </a:ln>
+        </p:spPr>
+        <p:txBody>
+          <a:bodyPr lIns="90000" rIns="90000" tIns="45000" bIns="45000"/>
+          <a:p>
+            <a:r>
+              <a:rPr b="0" lang="de-DE" sz="800" spc="-1" strike="noStrike">
+                <a:latin typeface="Arial"/>
+              </a:rPr>
+              <a:t>Bst#</a:t>
+            </a:r>
+            <a:endParaRPr b="0" lang="de-DE" sz="800" spc="-1" strike="noStrike">
+              <a:latin typeface="Arial"/>
+            </a:endParaRPr>
+          </a:p>
+          <a:p>
+            <a:r>
+              <a:rPr b="0" lang="de-DE" sz="800" spc="-1" strike="noStrike">
+                <a:latin typeface="Arial"/>
+              </a:rPr>
+              <a:t>Sorte</a:t>
+            </a:r>
+            <a:endParaRPr b="0" lang="de-DE" sz="800" spc="-1" strike="noStrike">
+              <a:latin typeface="Arial"/>
+            </a:endParaRPr>
+          </a:p>
+        </p:txBody>
+      </p:sp>
+      <p:sp>
+        <p:nvSpPr>
+          <p:cNvPr id="76" name="Freeform 39"/>
+          <p:cNvSpPr/>
+          <p:nvPr/>
+        </p:nvSpPr>
+        <p:spPr>
+          <a:xfrm>
+            <a:off x="4752000" y="2952000"/>
+            <a:ext cx="432360" cy="576360"/>
+          </a:xfrm>
+          <a:custGeom>
+            <a:avLst/>
+            <a:gdLst/>
+            <a:ahLst/>
+            <a:rect l="0" t="0" r="r" b="b"/>
+            <a:pathLst>
+              <a:path w="1201" h="1601">
+                <a:moveTo>
+                  <a:pt x="0" y="1600"/>
+                </a:moveTo>
+                <a:lnTo>
+                  <a:pt x="0" y="0"/>
+                </a:lnTo>
+                <a:lnTo>
+                  <a:pt x="800" y="0"/>
+                </a:lnTo>
+                <a:lnTo>
+                  <a:pt x="1200" y="400"/>
+                </a:lnTo>
+                <a:lnTo>
+                  <a:pt x="1200" y="1600"/>
+                </a:lnTo>
+                <a:lnTo>
+                  <a:pt x="0" y="1600"/>
+                </a:lnTo>
+              </a:path>
+            </a:pathLst>
+          </a:custGeom>
+          <a:solidFill>
+            <a:srgbClr val="ffffff"/>
+          </a:solidFill>
+          <a:ln w="14400">
+            <a:solidFill>
+              <a:srgbClr val="000000"/>
+            </a:solidFill>
+            <a:round/>
+          </a:ln>
+        </p:spPr>
+      </p:sp>
+      <p:sp>
+        <p:nvSpPr>
+          <p:cNvPr id="77" name="CustomShape 40"/>
+          <p:cNvSpPr/>
+          <p:nvPr/>
+        </p:nvSpPr>
+        <p:spPr>
+          <a:xfrm>
+            <a:off x="5040000" y="2952000"/>
+            <a:ext cx="144000" cy="144000"/>
+          </a:xfrm>
+          <a:custGeom>
+            <a:avLst/>
+            <a:gdLst/>
+            <a:ahLst/>
+            <a:rect l="l" t="t" r="r" b="b"/>
+            <a:pathLst>
+              <a:path w="21600" h="21600">
+                <a:moveTo>
+                  <a:pt x="0" y="0"/>
+                </a:moveTo>
+                <a:lnTo>
+                  <a:pt x="21600" y="21600"/>
+                </a:lnTo>
+                <a:lnTo>
+                  <a:pt x="0" y="21600"/>
+                </a:lnTo>
+                <a:lnTo>
+                  <a:pt x="0" y="0"/>
+                </a:lnTo>
+                <a:close/>
+              </a:path>
+            </a:pathLst>
+          </a:custGeom>
+          <a:solidFill>
+            <a:srgbClr val="ffffff"/>
+          </a:solidFill>
+          <a:ln w="14400">
+            <a:solidFill>
+              <a:srgbClr val="000000"/>
+            </a:solidFill>
+            <a:round/>
+          </a:ln>
+        </p:spPr>
+        <p:style>
+          <a:lnRef idx="0"/>
+          <a:fillRef idx="0"/>
+          <a:effectRef idx="0"/>
+          <a:fontRef idx="minor"/>
+        </p:style>
+      </p:sp>
+      <p:sp>
+        <p:nvSpPr>
+          <p:cNvPr id="78" name="TextShape 41"/>
+          <p:cNvSpPr txBox="1"/>
+          <p:nvPr/>
+        </p:nvSpPr>
+        <p:spPr>
+          <a:xfrm>
+            <a:off x="4752000" y="3096000"/>
+            <a:ext cx="432000" cy="432000"/>
+          </a:xfrm>
+          <a:prstGeom prst="rect">
+            <a:avLst/>
+          </a:prstGeom>
+          <a:noFill/>
+          <a:ln>
+            <a:noFill/>
+          </a:ln>
+        </p:spPr>
+        <p:txBody>
+          <a:bodyPr lIns="90000" rIns="90000" tIns="45000" bIns="45000"/>
+          <a:p>
+            <a:r>
+              <a:rPr b="0" lang="de-DE" sz="800" spc="-1" strike="noStrike">
+                <a:latin typeface="Arial"/>
+              </a:rPr>
+              <a:t>Bst#</a:t>
+            </a:r>
+            <a:endParaRPr b="0" lang="de-DE" sz="800" spc="-1" strike="noStrike">
+              <a:latin typeface="Arial"/>
+            </a:endParaRPr>
+          </a:p>
+          <a:p>
+            <a:endParaRPr b="0" lang="de-DE" sz="800" spc="-1" strike="noStrike">
+              <a:latin typeface="Arial"/>
+            </a:endParaRPr>
+          </a:p>
+        </p:txBody>
+      </p:sp>
+      <p:sp>
+        <p:nvSpPr>
+          <p:cNvPr id="79" name="Freeform 42"/>
+          <p:cNvSpPr/>
+          <p:nvPr/>
+        </p:nvSpPr>
+        <p:spPr>
+          <a:xfrm>
+            <a:off x="7200000" y="1672920"/>
+            <a:ext cx="432360" cy="576360"/>
+          </a:xfrm>
+          <a:custGeom>
+            <a:avLst/>
+            <a:gdLst/>
+            <a:ahLst/>
+            <a:rect l="0" t="0" r="r" b="b"/>
+            <a:pathLst>
+              <a:path w="1201" h="1601">
+                <a:moveTo>
+                  <a:pt x="0" y="1600"/>
+                </a:moveTo>
+                <a:lnTo>
+                  <a:pt x="0" y="0"/>
+                </a:lnTo>
+                <a:lnTo>
+                  <a:pt x="800" y="0"/>
+                </a:lnTo>
+                <a:lnTo>
+                  <a:pt x="1200" y="400"/>
+                </a:lnTo>
+                <a:lnTo>
+                  <a:pt x="1200" y="1600"/>
+                </a:lnTo>
+                <a:lnTo>
+                  <a:pt x="0" y="1600"/>
+                </a:lnTo>
+              </a:path>
+            </a:pathLst>
+          </a:custGeom>
+          <a:solidFill>
+            <a:srgbClr val="ffffff"/>
+          </a:solidFill>
+          <a:ln w="14400">
+            <a:solidFill>
+              <a:srgbClr val="000000"/>
+            </a:solidFill>
+            <a:round/>
+          </a:ln>
+        </p:spPr>
+      </p:sp>
+      <p:sp>
+        <p:nvSpPr>
+          <p:cNvPr id="80" name="CustomShape 43"/>
+          <p:cNvSpPr/>
+          <p:nvPr/>
+        </p:nvSpPr>
+        <p:spPr>
+          <a:xfrm>
+            <a:off x="7488000" y="1672920"/>
+            <a:ext cx="144000" cy="144000"/>
+          </a:xfrm>
+          <a:custGeom>
+            <a:avLst/>
+            <a:gdLst/>
+            <a:ahLst/>
+            <a:rect l="l" t="t" r="r" b="b"/>
+            <a:pathLst>
+              <a:path w="21600" h="21600">
+                <a:moveTo>
+                  <a:pt x="0" y="0"/>
+                </a:moveTo>
+                <a:lnTo>
+                  <a:pt x="21600" y="21600"/>
+                </a:lnTo>
+                <a:lnTo>
+                  <a:pt x="0" y="21600"/>
+                </a:lnTo>
+                <a:lnTo>
+                  <a:pt x="0" y="0"/>
+                </a:lnTo>
+                <a:close/>
+              </a:path>
+            </a:pathLst>
+          </a:custGeom>
+          <a:solidFill>
+            <a:srgbClr val="ffffff"/>
+          </a:solidFill>
+          <a:ln w="14400">
+            <a:solidFill>
+              <a:srgbClr val="000000"/>
+            </a:solidFill>
+            <a:round/>
+          </a:ln>
+        </p:spPr>
+        <p:style>
+          <a:lnRef idx="0"/>
+          <a:fillRef idx="0"/>
+          <a:effectRef idx="0"/>
+          <a:fontRef idx="minor"/>
+        </p:style>
+      </p:sp>
+      <p:sp>
+        <p:nvSpPr>
+          <p:cNvPr id="81" name="TextShape 44"/>
+          <p:cNvSpPr txBox="1"/>
+          <p:nvPr/>
+        </p:nvSpPr>
+        <p:spPr>
+          <a:xfrm>
+            <a:off x="7200000" y="1816920"/>
+            <a:ext cx="432000" cy="432000"/>
+          </a:xfrm>
+          <a:prstGeom prst="rect">
+            <a:avLst/>
+          </a:prstGeom>
+          <a:noFill/>
+          <a:ln>
+            <a:noFill/>
+          </a:ln>
+        </p:spPr>
+        <p:txBody>
+          <a:bodyPr lIns="90000" rIns="90000" tIns="45000" bIns="45000"/>
+          <a:p>
+            <a:r>
+              <a:rPr b="0" lang="de-DE" sz="800" spc="-1" strike="noStrike">
+                <a:latin typeface="Arial"/>
+              </a:rPr>
+              <a:t>Bst#</a:t>
+            </a:r>
+            <a:endParaRPr b="0" lang="de-DE" sz="800" spc="-1" strike="noStrike">
+              <a:latin typeface="Arial"/>
+            </a:endParaRPr>
+          </a:p>
+          <a:p>
+            <a:endParaRPr b="0" lang="de-DE" sz="800" spc="-1" strike="noStrike">
+              <a:latin typeface="Arial"/>
+            </a:endParaRPr>
+          </a:p>
+        </p:txBody>
+      </p:sp>
+      <p:sp>
+        <p:nvSpPr>
+          <p:cNvPr id="82" name="Freeform 45"/>
+          <p:cNvSpPr/>
+          <p:nvPr/>
+        </p:nvSpPr>
+        <p:spPr>
+          <a:xfrm>
+            <a:off x="7920000" y="3024000"/>
+            <a:ext cx="432360" cy="576360"/>
+          </a:xfrm>
+          <a:custGeom>
+            <a:avLst/>
+            <a:gdLst/>
+            <a:ahLst/>
+            <a:rect l="0" t="0" r="r" b="b"/>
+            <a:pathLst>
+              <a:path w="1201" h="1601">
+                <a:moveTo>
+                  <a:pt x="0" y="1600"/>
+                </a:moveTo>
+                <a:lnTo>
+                  <a:pt x="0" y="0"/>
+                </a:lnTo>
+                <a:lnTo>
+                  <a:pt x="800" y="0"/>
+                </a:lnTo>
+                <a:lnTo>
+                  <a:pt x="1200" y="400"/>
+                </a:lnTo>
+                <a:lnTo>
+                  <a:pt x="1200" y="1600"/>
+                </a:lnTo>
+                <a:lnTo>
+                  <a:pt x="0" y="1600"/>
+                </a:lnTo>
+              </a:path>
+            </a:pathLst>
+          </a:custGeom>
+          <a:solidFill>
+            <a:srgbClr val="ffffff"/>
+          </a:solidFill>
+          <a:ln w="14400">
+            <a:solidFill>
+              <a:srgbClr val="000000"/>
+            </a:solidFill>
+            <a:round/>
+          </a:ln>
+        </p:spPr>
+      </p:sp>
+      <p:sp>
+        <p:nvSpPr>
+          <p:cNvPr id="83" name="CustomShape 46"/>
+          <p:cNvSpPr/>
+          <p:nvPr/>
+        </p:nvSpPr>
+        <p:spPr>
+          <a:xfrm>
+            <a:off x="8208000" y="3024000"/>
+            <a:ext cx="144000" cy="144000"/>
+          </a:xfrm>
+          <a:custGeom>
+            <a:avLst/>
+            <a:gdLst/>
+            <a:ahLst/>
+            <a:rect l="l" t="t" r="r" b="b"/>
+            <a:pathLst>
+              <a:path w="21600" h="21600">
+                <a:moveTo>
+                  <a:pt x="0" y="0"/>
+                </a:moveTo>
+                <a:lnTo>
+                  <a:pt x="21600" y="21600"/>
+                </a:lnTo>
+                <a:lnTo>
+                  <a:pt x="0" y="21600"/>
+                </a:lnTo>
+                <a:lnTo>
+                  <a:pt x="0" y="0"/>
+                </a:lnTo>
+                <a:close/>
+              </a:path>
+            </a:pathLst>
+          </a:custGeom>
+          <a:solidFill>
+            <a:srgbClr val="ffffff"/>
+          </a:solidFill>
+          <a:ln w="14400">
+            <a:solidFill>
+              <a:srgbClr val="000000"/>
+            </a:solidFill>
+            <a:round/>
+          </a:ln>
+        </p:spPr>
+        <p:style>
+          <a:lnRef idx="0"/>
+          <a:fillRef idx="0"/>
+          <a:effectRef idx="0"/>
+          <a:fontRef idx="minor"/>
+        </p:style>
+      </p:sp>
+      <p:sp>
+        <p:nvSpPr>
+          <p:cNvPr id="84" name="TextShape 47"/>
+          <p:cNvSpPr txBox="1"/>
+          <p:nvPr/>
+        </p:nvSpPr>
+        <p:spPr>
+          <a:xfrm>
+            <a:off x="7920000" y="3168000"/>
+            <a:ext cx="432000" cy="432000"/>
+          </a:xfrm>
+          <a:prstGeom prst="rect">
+            <a:avLst/>
+          </a:prstGeom>
+          <a:noFill/>
+          <a:ln>
+            <a:noFill/>
+          </a:ln>
+        </p:spPr>
+        <p:txBody>
+          <a:bodyPr lIns="90000" rIns="90000" tIns="45000" bIns="45000"/>
+          <a:p>
+            <a:r>
+              <a:rPr b="0" lang="de-DE" sz="800" spc="-1" strike="noStrike">
+                <a:latin typeface="Arial"/>
+              </a:rPr>
+              <a:t>Bst#</a:t>
+            </a:r>
+            <a:endParaRPr b="0" lang="de-DE" sz="800" spc="-1" strike="noStrike">
+              <a:latin typeface="Arial"/>
+            </a:endParaRPr>
+          </a:p>
+          <a:p>
+            <a:endParaRPr b="0" lang="de-DE" sz="800" spc="-1" strike="noStrike">
+              <a:latin typeface="Arial"/>
+            </a:endParaRPr>
+          </a:p>
+        </p:txBody>
+      </p:sp>
+      <p:sp>
+        <p:nvSpPr>
+          <p:cNvPr id="85" name="Freeform 48"/>
+          <p:cNvSpPr/>
+          <p:nvPr/>
+        </p:nvSpPr>
+        <p:spPr>
+          <a:xfrm>
+            <a:off x="2952000" y="4104000"/>
+            <a:ext cx="432360" cy="576360"/>
+          </a:xfrm>
+          <a:custGeom>
+            <a:avLst/>
+            <a:gdLst/>
+            <a:ahLst/>
+            <a:rect l="0" t="0" r="r" b="b"/>
+            <a:pathLst>
+              <a:path w="1201" h="1601">
+                <a:moveTo>
+                  <a:pt x="0" y="1600"/>
+                </a:moveTo>
+                <a:lnTo>
+                  <a:pt x="0" y="0"/>
+                </a:lnTo>
+                <a:lnTo>
+                  <a:pt x="800" y="0"/>
+                </a:lnTo>
+                <a:lnTo>
+                  <a:pt x="1200" y="400"/>
+                </a:lnTo>
+                <a:lnTo>
+                  <a:pt x="1200" y="1600"/>
+                </a:lnTo>
+                <a:lnTo>
+                  <a:pt x="0" y="1600"/>
+                </a:lnTo>
+              </a:path>
+            </a:pathLst>
+          </a:custGeom>
+          <a:solidFill>
+            <a:srgbClr val="ffffff"/>
+          </a:solidFill>
+          <a:ln w="14400">
+            <a:solidFill>
+              <a:srgbClr val="000000"/>
+            </a:solidFill>
+            <a:round/>
+          </a:ln>
+        </p:spPr>
+      </p:sp>
+      <p:sp>
+        <p:nvSpPr>
+          <p:cNvPr id="86" name="CustomShape 49"/>
+          <p:cNvSpPr/>
+          <p:nvPr/>
+        </p:nvSpPr>
+        <p:spPr>
+          <a:xfrm>
+            <a:off x="3240000" y="4104000"/>
+            <a:ext cx="144000" cy="144000"/>
+          </a:xfrm>
+          <a:custGeom>
+            <a:avLst/>
+            <a:gdLst/>
+            <a:ahLst/>
+            <a:rect l="l" t="t" r="r" b="b"/>
+            <a:pathLst>
+              <a:path w="21600" h="21600">
+                <a:moveTo>
+                  <a:pt x="0" y="0"/>
+                </a:moveTo>
+                <a:lnTo>
+                  <a:pt x="21600" y="21600"/>
+                </a:lnTo>
+                <a:lnTo>
+                  <a:pt x="0" y="21600"/>
+                </a:lnTo>
+                <a:lnTo>
+                  <a:pt x="0" y="0"/>
+                </a:lnTo>
+                <a:close/>
+              </a:path>
+            </a:pathLst>
+          </a:custGeom>
+          <a:solidFill>
+            <a:srgbClr val="ffffff"/>
+          </a:solidFill>
+          <a:ln w="14400">
+            <a:solidFill>
+              <a:srgbClr val="000000"/>
+            </a:solidFill>
+            <a:round/>
+          </a:ln>
+        </p:spPr>
+        <p:style>
+          <a:lnRef idx="0"/>
+          <a:fillRef idx="0"/>
+          <a:effectRef idx="0"/>
+          <a:fontRef idx="minor"/>
+        </p:style>
+      </p:sp>
+      <p:sp>
+        <p:nvSpPr>
+          <p:cNvPr id="87" name="TextShape 50"/>
+          <p:cNvSpPr txBox="1"/>
+          <p:nvPr/>
+        </p:nvSpPr>
+        <p:spPr>
+          <a:xfrm>
+            <a:off x="2952000" y="4248000"/>
+            <a:ext cx="432000" cy="432000"/>
+          </a:xfrm>
+          <a:prstGeom prst="rect">
+            <a:avLst/>
+          </a:prstGeom>
+          <a:noFill/>
+          <a:ln>
+            <a:noFill/>
+          </a:ln>
+        </p:spPr>
+        <p:txBody>
+          <a:bodyPr lIns="90000" rIns="90000" tIns="45000" bIns="45000"/>
+          <a:p>
+            <a:r>
+              <a:rPr b="0" lang="de-DE" sz="800" spc="-1" strike="noStrike">
+                <a:latin typeface="Arial"/>
+              </a:rPr>
+              <a:t>Bst#</a:t>
+            </a:r>
+            <a:endParaRPr b="0" lang="de-DE" sz="800" spc="-1" strike="noStrike">
+              <a:latin typeface="Arial"/>
+            </a:endParaRPr>
+          </a:p>
+          <a:p>
+            <a:endParaRPr b="0" lang="de-DE" sz="800" spc="-1" strike="noStrike">
+              <a:latin typeface="Arial"/>
+            </a:endParaRPr>
+          </a:p>
+        </p:txBody>
+      </p:sp>
+      <p:sp>
+        <p:nvSpPr>
+          <p:cNvPr id="88" name="Freeform 51"/>
+          <p:cNvSpPr/>
+          <p:nvPr/>
+        </p:nvSpPr>
+        <p:spPr>
+          <a:xfrm>
+            <a:off x="7848000" y="504000"/>
+            <a:ext cx="432360" cy="576360"/>
+          </a:xfrm>
+          <a:custGeom>
+            <a:avLst/>
+            <a:gdLst/>
+            <a:ahLst/>
+            <a:rect l="0" t="0" r="r" b="b"/>
+            <a:pathLst>
+              <a:path w="1201" h="1601">
+                <a:moveTo>
+                  <a:pt x="0" y="1600"/>
+                </a:moveTo>
+                <a:lnTo>
+                  <a:pt x="0" y="0"/>
+                </a:lnTo>
+                <a:lnTo>
+                  <a:pt x="800" y="0"/>
+                </a:lnTo>
+                <a:lnTo>
+                  <a:pt x="1200" y="400"/>
+                </a:lnTo>
+                <a:lnTo>
+                  <a:pt x="1200" y="1600"/>
+                </a:lnTo>
+                <a:lnTo>
+                  <a:pt x="0" y="1600"/>
+                </a:lnTo>
+              </a:path>
+            </a:pathLst>
+          </a:custGeom>
+          <a:solidFill>
+            <a:srgbClr val="ffffff"/>
+          </a:solidFill>
+          <a:ln w="14400">
+            <a:solidFill>
+              <a:srgbClr val="000000"/>
+            </a:solidFill>
+            <a:round/>
+          </a:ln>
+        </p:spPr>
+      </p:sp>
+      <p:sp>
+        <p:nvSpPr>
+          <p:cNvPr id="89" name="CustomShape 52"/>
+          <p:cNvSpPr/>
+          <p:nvPr/>
+        </p:nvSpPr>
+        <p:spPr>
+          <a:xfrm>
+            <a:off x="8136000" y="504000"/>
+            <a:ext cx="144000" cy="144000"/>
+          </a:xfrm>
+          <a:custGeom>
+            <a:avLst/>
+            <a:gdLst/>
+            <a:ahLst/>
+            <a:rect l="l" t="t" r="r" b="b"/>
+            <a:pathLst>
+              <a:path w="21600" h="21600">
+                <a:moveTo>
+                  <a:pt x="0" y="0"/>
+                </a:moveTo>
+                <a:lnTo>
+                  <a:pt x="21600" y="21600"/>
+                </a:lnTo>
+                <a:lnTo>
+                  <a:pt x="0" y="21600"/>
+                </a:lnTo>
+                <a:lnTo>
+                  <a:pt x="0" y="0"/>
+                </a:lnTo>
+                <a:close/>
+              </a:path>
+            </a:pathLst>
+          </a:custGeom>
+          <a:solidFill>
+            <a:srgbClr val="ffffff"/>
+          </a:solidFill>
+          <a:ln w="14400">
+            <a:solidFill>
+              <a:srgbClr val="000000"/>
+            </a:solidFill>
+            <a:round/>
+          </a:ln>
+        </p:spPr>
+        <p:style>
+          <a:lnRef idx="0"/>
+          <a:fillRef idx="0"/>
+          <a:effectRef idx="0"/>
+          <a:fontRef idx="minor"/>
+        </p:style>
+      </p:sp>
+      <p:sp>
+        <p:nvSpPr>
+          <p:cNvPr id="90" name="TextShape 53"/>
+          <p:cNvSpPr txBox="1"/>
+          <p:nvPr/>
+        </p:nvSpPr>
+        <p:spPr>
+          <a:xfrm>
+            <a:off x="7848000" y="648000"/>
+            <a:ext cx="432000" cy="405000"/>
+          </a:xfrm>
+          <a:prstGeom prst="rect">
+            <a:avLst/>
+          </a:prstGeom>
+          <a:noFill/>
+          <a:ln>
+            <a:noFill/>
+          </a:ln>
+        </p:spPr>
+        <p:txBody>
+          <a:bodyPr lIns="90000" rIns="90000" tIns="45000" bIns="45000"/>
+          <a:p>
+            <a:r>
+              <a:rPr b="0" lang="de-DE" sz="800" spc="-1" strike="noStrike">
+                <a:latin typeface="Arial"/>
+              </a:rPr>
+              <a:t>Sorte</a:t>
+            </a:r>
+            <a:endParaRPr b="0" lang="de-DE" sz="800" spc="-1" strike="noStrike">
+              <a:latin typeface="Arial"/>
+            </a:endParaRPr>
+          </a:p>
+        </p:txBody>
+      </p:sp>
+      <p:sp>
+        <p:nvSpPr>
+          <p:cNvPr id="91" name="Freeform 54"/>
+          <p:cNvSpPr/>
+          <p:nvPr/>
+        </p:nvSpPr>
+        <p:spPr>
+          <a:xfrm>
+            <a:off x="2952000" y="1728000"/>
+            <a:ext cx="432360" cy="576360"/>
+          </a:xfrm>
+          <a:custGeom>
+            <a:avLst/>
+            <a:gdLst/>
+            <a:ahLst/>
+            <a:rect l="0" t="0" r="r" b="b"/>
+            <a:pathLst>
+              <a:path w="1201" h="1601">
+                <a:moveTo>
+                  <a:pt x="0" y="1600"/>
+                </a:moveTo>
+                <a:lnTo>
+                  <a:pt x="0" y="0"/>
+                </a:lnTo>
+                <a:lnTo>
+                  <a:pt x="800" y="0"/>
+                </a:lnTo>
+                <a:lnTo>
+                  <a:pt x="1200" y="400"/>
+                </a:lnTo>
+                <a:lnTo>
+                  <a:pt x="1200" y="1600"/>
+                </a:lnTo>
+                <a:lnTo>
+                  <a:pt x="0" y="1600"/>
+                </a:lnTo>
+              </a:path>
+            </a:pathLst>
+          </a:custGeom>
+          <a:solidFill>
+            <a:srgbClr val="ffffff"/>
+          </a:solidFill>
+          <a:ln w="14400">
+            <a:solidFill>
+              <a:srgbClr val="000000"/>
+            </a:solidFill>
+            <a:round/>
+          </a:ln>
+        </p:spPr>
+      </p:sp>
+      <p:sp>
+        <p:nvSpPr>
+          <p:cNvPr id="92" name="CustomShape 55"/>
+          <p:cNvSpPr/>
+          <p:nvPr/>
+        </p:nvSpPr>
+        <p:spPr>
+          <a:xfrm>
+            <a:off x="3240000" y="1728000"/>
+            <a:ext cx="144000" cy="144000"/>
+          </a:xfrm>
+          <a:custGeom>
+            <a:avLst/>
+            <a:gdLst/>
+            <a:ahLst/>
+            <a:rect l="l" t="t" r="r" b="b"/>
+            <a:pathLst>
+              <a:path w="21600" h="21600">
+                <a:moveTo>
+                  <a:pt x="0" y="0"/>
+                </a:moveTo>
+                <a:lnTo>
+                  <a:pt x="21600" y="21600"/>
+                </a:lnTo>
+                <a:lnTo>
+                  <a:pt x="0" y="21600"/>
+                </a:lnTo>
+                <a:lnTo>
+                  <a:pt x="0" y="0"/>
+                </a:lnTo>
+                <a:close/>
+              </a:path>
+            </a:pathLst>
+          </a:custGeom>
+          <a:solidFill>
+            <a:srgbClr val="ffffff"/>
+          </a:solidFill>
+          <a:ln w="14400">
+            <a:solidFill>
+              <a:srgbClr val="000000"/>
+            </a:solidFill>
+            <a:round/>
+          </a:ln>
+        </p:spPr>
+        <p:style>
+          <a:lnRef idx="0"/>
+          <a:fillRef idx="0"/>
+          <a:effectRef idx="0"/>
+          <a:fontRef idx="minor"/>
+        </p:style>
+      </p:sp>
+      <p:sp>
+        <p:nvSpPr>
+          <p:cNvPr id="93" name="TextShape 56"/>
+          <p:cNvSpPr txBox="1"/>
+          <p:nvPr/>
+        </p:nvSpPr>
+        <p:spPr>
+          <a:xfrm>
+            <a:off x="2952000" y="1872000"/>
+            <a:ext cx="432000" cy="405000"/>
+          </a:xfrm>
+          <a:prstGeom prst="rect">
+            <a:avLst/>
+          </a:prstGeom>
+          <a:noFill/>
+          <a:ln>
+            <a:noFill/>
+          </a:ln>
+        </p:spPr>
+        <p:txBody>
+          <a:bodyPr lIns="90000" rIns="90000" tIns="45000" bIns="45000"/>
+          <a:p>
+            <a:r>
+              <a:rPr b="0" lang="de-DE" sz="800" spc="-1" strike="noStrike">
+                <a:latin typeface="Arial"/>
+              </a:rPr>
+              <a:t>Bst#</a:t>
+            </a:r>
+            <a:endParaRPr b="0" lang="de-DE" sz="800" spc="-1" strike="noStrike">
+              <a:latin typeface="Arial"/>
+            </a:endParaRPr>
+          </a:p>
+          <a:p>
+            <a:r>
+              <a:rPr b="0" lang="de-DE" sz="800" spc="-1" strike="noStrike">
+                <a:latin typeface="Arial"/>
+              </a:rPr>
+              <a:t>Zutat</a:t>
+            </a:r>
+            <a:endParaRPr b="0" lang="de-DE" sz="800" spc="-1" strike="noStrike">
+              <a:latin typeface="Arial"/>
+            </a:endParaRPr>
+          </a:p>
+        </p:txBody>
+      </p:sp>
+      <p:sp>
+        <p:nvSpPr>
+          <p:cNvPr id="94" name="Freeform 57"/>
+          <p:cNvSpPr/>
+          <p:nvPr/>
+        </p:nvSpPr>
+        <p:spPr>
+          <a:xfrm>
+            <a:off x="4536000" y="1728000"/>
+            <a:ext cx="432360" cy="576360"/>
+          </a:xfrm>
+          <a:custGeom>
+            <a:avLst/>
+            <a:gdLst/>
+            <a:ahLst/>
+            <a:rect l="0" t="0" r="r" b="b"/>
+            <a:pathLst>
+              <a:path w="1201" h="1601">
+                <a:moveTo>
+                  <a:pt x="0" y="1600"/>
+                </a:moveTo>
+                <a:lnTo>
+                  <a:pt x="0" y="0"/>
+                </a:lnTo>
+                <a:lnTo>
+                  <a:pt x="800" y="0"/>
+                </a:lnTo>
+                <a:lnTo>
+                  <a:pt x="1200" y="400"/>
+                </a:lnTo>
+                <a:lnTo>
+                  <a:pt x="1200" y="1600"/>
+                </a:lnTo>
+                <a:lnTo>
+                  <a:pt x="0" y="1600"/>
+                </a:lnTo>
+              </a:path>
+            </a:pathLst>
+          </a:custGeom>
+          <a:solidFill>
+            <a:srgbClr val="ffffff"/>
+          </a:solidFill>
+          <a:ln w="14400">
+            <a:solidFill>
+              <a:srgbClr val="000000"/>
+            </a:solidFill>
+            <a:round/>
+          </a:ln>
+        </p:spPr>
+      </p:sp>
+      <p:sp>
+        <p:nvSpPr>
+          <p:cNvPr id="95" name="CustomShape 58"/>
+          <p:cNvSpPr/>
+          <p:nvPr/>
+        </p:nvSpPr>
+        <p:spPr>
+          <a:xfrm>
+            <a:off x="4824000" y="1728000"/>
+            <a:ext cx="144000" cy="144000"/>
+          </a:xfrm>
+          <a:custGeom>
+            <a:avLst/>
+            <a:gdLst/>
+            <a:ahLst/>
+            <a:rect l="l" t="t" r="r" b="b"/>
+            <a:pathLst>
+              <a:path w="21600" h="21600">
+                <a:moveTo>
+                  <a:pt x="0" y="0"/>
+                </a:moveTo>
+                <a:lnTo>
+                  <a:pt x="21600" y="21600"/>
+                </a:lnTo>
+                <a:lnTo>
+                  <a:pt x="0" y="21600"/>
+                </a:lnTo>
+                <a:lnTo>
+                  <a:pt x="0" y="0"/>
+                </a:lnTo>
+                <a:close/>
+              </a:path>
+            </a:pathLst>
+          </a:custGeom>
+          <a:solidFill>
+            <a:srgbClr val="ffffff"/>
+          </a:solidFill>
+          <a:ln w="14400">
+            <a:solidFill>
+              <a:srgbClr val="000000"/>
+            </a:solidFill>
+            <a:round/>
+          </a:ln>
+        </p:spPr>
+        <p:style>
+          <a:lnRef idx="0"/>
+          <a:fillRef idx="0"/>
+          <a:effectRef idx="0"/>
+          <a:fontRef idx="minor"/>
+        </p:style>
+      </p:sp>
+      <p:sp>
+        <p:nvSpPr>
+          <p:cNvPr id="96" name="TextShape 59"/>
+          <p:cNvSpPr txBox="1"/>
+          <p:nvPr/>
+        </p:nvSpPr>
+        <p:spPr>
+          <a:xfrm>
+            <a:off x="4536000" y="1872000"/>
+            <a:ext cx="432000" cy="432000"/>
+          </a:xfrm>
+          <a:prstGeom prst="rect">
+            <a:avLst/>
+          </a:prstGeom>
+          <a:noFill/>
+          <a:ln>
+            <a:noFill/>
+          </a:ln>
+        </p:spPr>
+        <p:txBody>
+          <a:bodyPr lIns="90000" rIns="90000" tIns="45000" bIns="45000"/>
+          <a:p>
+            <a:r>
+              <a:rPr b="0" lang="de-DE" sz="800" spc="-1" strike="noStrike">
+                <a:latin typeface="Arial"/>
+              </a:rPr>
+              <a:t>Bst#</a:t>
+            </a:r>
+            <a:endParaRPr b="0" lang="de-DE" sz="800" spc="-1" strike="noStrike">
+              <a:latin typeface="Arial"/>
+            </a:endParaRPr>
+          </a:p>
+          <a:p>
+            <a:endParaRPr b="0" lang="de-DE" sz="800" spc="-1" strike="noStrike">
+              <a:latin typeface="Arial"/>
+            </a:endParaRPr>
+          </a:p>
+        </p:txBody>
+      </p:sp>
+      <p:sp>
+        <p:nvSpPr>
+          <p:cNvPr id="97" name="Freeform 60"/>
+          <p:cNvSpPr/>
+          <p:nvPr/>
+        </p:nvSpPr>
+        <p:spPr>
+          <a:xfrm>
+            <a:off x="5544000" y="1584000"/>
+            <a:ext cx="432360" cy="576360"/>
+          </a:xfrm>
+          <a:custGeom>
+            <a:avLst/>
+            <a:gdLst/>
+            <a:ahLst/>
+            <a:rect l="0" t="0" r="r" b="b"/>
+            <a:pathLst>
+              <a:path w="1201" h="1601">
+                <a:moveTo>
+                  <a:pt x="0" y="1600"/>
+                </a:moveTo>
+                <a:lnTo>
+                  <a:pt x="0" y="0"/>
+                </a:lnTo>
+                <a:lnTo>
+                  <a:pt x="800" y="0"/>
+                </a:lnTo>
+                <a:lnTo>
+                  <a:pt x="1200" y="400"/>
+                </a:lnTo>
+                <a:lnTo>
+                  <a:pt x="1200" y="1600"/>
+                </a:lnTo>
+                <a:lnTo>
+                  <a:pt x="0" y="1600"/>
+                </a:lnTo>
+              </a:path>
+            </a:pathLst>
+          </a:custGeom>
+          <a:solidFill>
+            <a:srgbClr val="ffffff"/>
+          </a:solidFill>
+          <a:ln w="14400">
+            <a:solidFill>
+              <a:srgbClr val="000000"/>
+            </a:solidFill>
+            <a:round/>
+          </a:ln>
+        </p:spPr>
+      </p:sp>
+      <p:sp>
+        <p:nvSpPr>
+          <p:cNvPr id="98" name="CustomShape 61"/>
+          <p:cNvSpPr/>
+          <p:nvPr/>
+        </p:nvSpPr>
+        <p:spPr>
+          <a:xfrm>
+            <a:off x="5832000" y="1584000"/>
+            <a:ext cx="144000" cy="144000"/>
+          </a:xfrm>
+          <a:custGeom>
+            <a:avLst/>
+            <a:gdLst/>
+            <a:ahLst/>
+            <a:rect l="l" t="t" r="r" b="b"/>
+            <a:pathLst>
+              <a:path w="21600" h="21600">
+                <a:moveTo>
+                  <a:pt x="0" y="0"/>
+                </a:moveTo>
+                <a:lnTo>
+                  <a:pt x="21600" y="21600"/>
+                </a:lnTo>
+                <a:lnTo>
+                  <a:pt x="0" y="21600"/>
+                </a:lnTo>
+                <a:lnTo>
+                  <a:pt x="0" y="0"/>
+                </a:lnTo>
+                <a:close/>
+              </a:path>
+            </a:pathLst>
+          </a:custGeom>
+          <a:solidFill>
+            <a:srgbClr val="ffffff"/>
+          </a:solidFill>
+          <a:ln w="14400">
+            <a:solidFill>
+              <a:srgbClr val="000000"/>
+            </a:solidFill>
+            <a:round/>
+          </a:ln>
+        </p:spPr>
+        <p:style>
+          <a:lnRef idx="0"/>
+          <a:fillRef idx="0"/>
+          <a:effectRef idx="0"/>
+          <a:fontRef idx="minor"/>
+        </p:style>
+      </p:sp>
+      <p:sp>
+        <p:nvSpPr>
+          <p:cNvPr id="99" name="TextShape 62"/>
+          <p:cNvSpPr txBox="1"/>
+          <p:nvPr/>
+        </p:nvSpPr>
+        <p:spPr>
+          <a:xfrm>
+            <a:off x="5544000" y="1728000"/>
+            <a:ext cx="432000" cy="432000"/>
+          </a:xfrm>
+          <a:prstGeom prst="rect">
+            <a:avLst/>
+          </a:prstGeom>
+          <a:noFill/>
+          <a:ln>
+            <a:noFill/>
+          </a:ln>
+        </p:spPr>
+        <p:txBody>
+          <a:bodyPr lIns="90000" rIns="90000" tIns="45000" bIns="45000"/>
+          <a:p>
+            <a:r>
+              <a:rPr b="0" lang="de-DE" sz="800" spc="-1" strike="noStrike">
+                <a:latin typeface="Arial"/>
+              </a:rPr>
+              <a:t>Bst#</a:t>
+            </a:r>
+            <a:endParaRPr b="0" lang="de-DE" sz="800" spc="-1" strike="noStrike">
+              <a:latin typeface="Arial"/>
+            </a:endParaRPr>
+          </a:p>
+          <a:p>
+            <a:endParaRPr b="0" lang="de-DE" sz="800" spc="-1" strike="noStrike">
+              <a:latin typeface="Arial"/>
+            </a:endParaRPr>
+          </a:p>
+        </p:txBody>
+      </p:sp>
+      <p:sp>
+        <p:nvSpPr>
+          <p:cNvPr id="100" name="Freeform 63"/>
+          <p:cNvSpPr/>
+          <p:nvPr/>
+        </p:nvSpPr>
+        <p:spPr>
+          <a:xfrm>
+            <a:off x="6264000" y="2952000"/>
+            <a:ext cx="432360" cy="576360"/>
+          </a:xfrm>
+          <a:custGeom>
+            <a:avLst/>
+            <a:gdLst/>
+            <a:ahLst/>
+            <a:rect l="0" t="0" r="r" b="b"/>
+            <a:pathLst>
+              <a:path w="1201" h="1601">
+                <a:moveTo>
+                  <a:pt x="0" y="1600"/>
+                </a:moveTo>
+                <a:lnTo>
+                  <a:pt x="0" y="0"/>
+                </a:lnTo>
+                <a:lnTo>
+                  <a:pt x="800" y="0"/>
+                </a:lnTo>
+                <a:lnTo>
+                  <a:pt x="1200" y="400"/>
+                </a:lnTo>
+                <a:lnTo>
+                  <a:pt x="1200" y="1600"/>
+                </a:lnTo>
+                <a:lnTo>
+                  <a:pt x="0" y="1600"/>
+                </a:lnTo>
+              </a:path>
+            </a:pathLst>
+          </a:custGeom>
+          <a:solidFill>
+            <a:srgbClr val="ffffff"/>
+          </a:solidFill>
+          <a:ln w="14400">
+            <a:solidFill>
+              <a:srgbClr val="000000"/>
+            </a:solidFill>
+            <a:round/>
+          </a:ln>
+        </p:spPr>
+      </p:sp>
+      <p:sp>
+        <p:nvSpPr>
+          <p:cNvPr id="101" name="CustomShape 64"/>
+          <p:cNvSpPr/>
+          <p:nvPr/>
+        </p:nvSpPr>
+        <p:spPr>
+          <a:xfrm>
+            <a:off x="6552000" y="2952000"/>
+            <a:ext cx="144000" cy="144000"/>
+          </a:xfrm>
+          <a:custGeom>
+            <a:avLst/>
+            <a:gdLst/>
+            <a:ahLst/>
+            <a:rect l="l" t="t" r="r" b="b"/>
+            <a:pathLst>
+              <a:path w="21600" h="21600">
+                <a:moveTo>
+                  <a:pt x="0" y="0"/>
+                </a:moveTo>
+                <a:lnTo>
+                  <a:pt x="21600" y="21600"/>
+                </a:lnTo>
+                <a:lnTo>
+                  <a:pt x="0" y="21600"/>
+                </a:lnTo>
+                <a:lnTo>
+                  <a:pt x="0" y="0"/>
+                </a:lnTo>
+                <a:close/>
+              </a:path>
+            </a:pathLst>
+          </a:custGeom>
+          <a:solidFill>
+            <a:srgbClr val="ffffff"/>
+          </a:solidFill>
+          <a:ln w="14400">
+            <a:solidFill>
+              <a:srgbClr val="000000"/>
+            </a:solidFill>
+            <a:round/>
+          </a:ln>
+        </p:spPr>
+        <p:style>
+          <a:lnRef idx="0"/>
+          <a:fillRef idx="0"/>
+          <a:effectRef idx="0"/>
+          <a:fontRef idx="minor"/>
+        </p:style>
+      </p:sp>
+      <p:sp>
+        <p:nvSpPr>
+          <p:cNvPr id="102" name="TextShape 65"/>
+          <p:cNvSpPr txBox="1"/>
+          <p:nvPr/>
+        </p:nvSpPr>
+        <p:spPr>
+          <a:xfrm>
+            <a:off x="6264000" y="3096000"/>
+            <a:ext cx="432000" cy="432000"/>
+          </a:xfrm>
+          <a:prstGeom prst="rect">
+            <a:avLst/>
+          </a:prstGeom>
+          <a:noFill/>
+          <a:ln>
+            <a:noFill/>
+          </a:ln>
+        </p:spPr>
+        <p:txBody>
+          <a:bodyPr lIns="90000" rIns="90000" tIns="45000" bIns="45000"/>
+          <a:p>
+            <a:r>
+              <a:rPr b="0" lang="de-DE" sz="800" spc="-1" strike="noStrike">
+                <a:latin typeface="Arial"/>
+              </a:rPr>
+              <a:t>Bst#</a:t>
+            </a:r>
+            <a:endParaRPr b="0" lang="de-DE" sz="800" spc="-1" strike="noStrike">
+              <a:latin typeface="Arial"/>
+            </a:endParaRPr>
+          </a:p>
+          <a:p>
+            <a:endParaRPr b="0" lang="de-DE" sz="800" spc="-1" strike="noStrike">
+              <a:latin typeface="Arial"/>
+            </a:endParaRPr>
+          </a:p>
+        </p:txBody>
+      </p:sp>
+      <p:sp>
+        <p:nvSpPr>
+          <p:cNvPr id="103" name="Freeform 66"/>
+          <p:cNvSpPr/>
+          <p:nvPr/>
+        </p:nvSpPr>
+        <p:spPr>
+          <a:xfrm>
+            <a:off x="9432000" y="2952000"/>
+            <a:ext cx="432360" cy="576360"/>
+          </a:xfrm>
+          <a:custGeom>
+            <a:avLst/>
+            <a:gdLst/>
+            <a:ahLst/>
+            <a:rect l="0" t="0" r="r" b="b"/>
+            <a:pathLst>
+              <a:path w="1201" h="1601">
+                <a:moveTo>
+                  <a:pt x="0" y="1600"/>
+                </a:moveTo>
+                <a:lnTo>
+                  <a:pt x="0" y="0"/>
+                </a:lnTo>
+                <a:lnTo>
+                  <a:pt x="800" y="0"/>
+                </a:lnTo>
+                <a:lnTo>
+                  <a:pt x="1200" y="400"/>
+                </a:lnTo>
+                <a:lnTo>
+                  <a:pt x="1200" y="1600"/>
+                </a:lnTo>
+                <a:lnTo>
+                  <a:pt x="0" y="1600"/>
+                </a:lnTo>
+              </a:path>
+            </a:pathLst>
+          </a:custGeom>
+          <a:solidFill>
+            <a:srgbClr val="ffffff"/>
+          </a:solidFill>
+          <a:ln w="14400">
+            <a:solidFill>
+              <a:srgbClr val="000000"/>
+            </a:solidFill>
+            <a:round/>
+          </a:ln>
+        </p:spPr>
+      </p:sp>
+      <p:sp>
+        <p:nvSpPr>
+          <p:cNvPr id="104" name="CustomShape 67"/>
+          <p:cNvSpPr/>
+          <p:nvPr/>
+        </p:nvSpPr>
+        <p:spPr>
+          <a:xfrm>
+            <a:off x="9720000" y="2952000"/>
+            <a:ext cx="144000" cy="144000"/>
+          </a:xfrm>
+          <a:custGeom>
+            <a:avLst/>
+            <a:gdLst/>
+            <a:ahLst/>
+            <a:rect l="l" t="t" r="r" b="b"/>
+            <a:pathLst>
+              <a:path w="21600" h="21600">
+                <a:moveTo>
+                  <a:pt x="0" y="0"/>
+                </a:moveTo>
+                <a:lnTo>
+                  <a:pt x="21600" y="21600"/>
+                </a:lnTo>
+                <a:lnTo>
+                  <a:pt x="0" y="21600"/>
+                </a:lnTo>
+                <a:lnTo>
+                  <a:pt x="0" y="0"/>
+                </a:lnTo>
+                <a:close/>
+              </a:path>
+            </a:pathLst>
+          </a:custGeom>
+          <a:solidFill>
+            <a:srgbClr val="ffffff"/>
+          </a:solidFill>
+          <a:ln w="14400">
+            <a:solidFill>
+              <a:srgbClr val="000000"/>
+            </a:solidFill>
+            <a:round/>
+          </a:ln>
+        </p:spPr>
+        <p:style>
+          <a:lnRef idx="0"/>
+          <a:fillRef idx="0"/>
+          <a:effectRef idx="0"/>
+          <a:fontRef idx="minor"/>
+        </p:style>
+      </p:sp>
+      <p:sp>
+        <p:nvSpPr>
+          <p:cNvPr id="105" name="TextShape 68"/>
+          <p:cNvSpPr txBox="1"/>
+          <p:nvPr/>
+        </p:nvSpPr>
+        <p:spPr>
+          <a:xfrm>
+            <a:off x="9432000" y="3096000"/>
+            <a:ext cx="432000" cy="433800"/>
+          </a:xfrm>
+          <a:prstGeom prst="rect">
+            <a:avLst/>
+          </a:prstGeom>
+          <a:noFill/>
+          <a:ln>
+            <a:noFill/>
+          </a:ln>
+        </p:spPr>
+        <p:txBody>
+          <a:bodyPr lIns="90000" rIns="90000" tIns="45000" bIns="45000"/>
+          <a:p>
+            <a:r>
+              <a:rPr b="0" lang="de-DE" sz="800" spc="-1" strike="noStrike">
+                <a:latin typeface="Arial"/>
+              </a:rPr>
+              <a:t>Bst#</a:t>
+            </a:r>
+            <a:endParaRPr b="0" lang="de-DE" sz="800" spc="-1" strike="noStrike">
+              <a:latin typeface="Arial"/>
+            </a:endParaRPr>
+          </a:p>
+          <a:p>
+            <a:r>
+              <a:rPr b="0" lang="de-DE" sz="800" spc="-1" strike="noStrike">
+                <a:latin typeface="Arial"/>
+              </a:rPr>
+              <a:t>Zutat</a:t>
+            </a:r>
+            <a:endParaRPr b="0" lang="de-DE" sz="800" spc="-1" strike="noStrike">
+              <a:latin typeface="Arial"/>
+            </a:endParaRPr>
+          </a:p>
+          <a:p>
+            <a:endParaRPr b="0" lang="de-DE" sz="800" spc="-1" strike="noStrike">
+              <a:latin typeface="Arial"/>
+            </a:endParaRPr>
+          </a:p>
+        </p:txBody>
+      </p:sp>
+      <p:sp>
+        <p:nvSpPr>
+          <p:cNvPr id="106" name="Freeform 69"/>
+          <p:cNvSpPr/>
+          <p:nvPr/>
+        </p:nvSpPr>
+        <p:spPr>
+          <a:xfrm>
+            <a:off x="4608000" y="4104000"/>
+            <a:ext cx="432360" cy="576360"/>
+          </a:xfrm>
+          <a:custGeom>
+            <a:avLst/>
+            <a:gdLst/>
+            <a:ahLst/>
+            <a:rect l="0" t="0" r="r" b="b"/>
+            <a:pathLst>
+              <a:path w="1201" h="1601">
+                <a:moveTo>
+                  <a:pt x="0" y="1600"/>
+                </a:moveTo>
+                <a:lnTo>
+                  <a:pt x="0" y="0"/>
+                </a:lnTo>
+                <a:lnTo>
+                  <a:pt x="800" y="0"/>
+                </a:lnTo>
+                <a:lnTo>
+                  <a:pt x="1200" y="400"/>
+                </a:lnTo>
+                <a:lnTo>
+                  <a:pt x="1200" y="1600"/>
+                </a:lnTo>
+                <a:lnTo>
+                  <a:pt x="0" y="1600"/>
+                </a:lnTo>
+              </a:path>
+            </a:pathLst>
+          </a:custGeom>
+          <a:solidFill>
+            <a:srgbClr val="ffffff"/>
+          </a:solidFill>
+          <a:ln w="14400">
+            <a:solidFill>
+              <a:srgbClr val="000000"/>
+            </a:solidFill>
+            <a:round/>
+          </a:ln>
+        </p:spPr>
+      </p:sp>
+      <p:sp>
+        <p:nvSpPr>
+          <p:cNvPr id="107" name="CustomShape 70"/>
+          <p:cNvSpPr/>
+          <p:nvPr/>
+        </p:nvSpPr>
+        <p:spPr>
+          <a:xfrm>
+            <a:off x="4896000" y="4104000"/>
+            <a:ext cx="144000" cy="144000"/>
+          </a:xfrm>
+          <a:custGeom>
+            <a:avLst/>
+            <a:gdLst/>
+            <a:ahLst/>
+            <a:rect l="l" t="t" r="r" b="b"/>
+            <a:pathLst>
+              <a:path w="21600" h="21600">
+                <a:moveTo>
+                  <a:pt x="0" y="0"/>
+                </a:moveTo>
+                <a:lnTo>
+                  <a:pt x="21600" y="21600"/>
+                </a:lnTo>
+                <a:lnTo>
+                  <a:pt x="0" y="21600"/>
+                </a:lnTo>
+                <a:lnTo>
+                  <a:pt x="0" y="0"/>
+                </a:lnTo>
+                <a:close/>
+              </a:path>
+            </a:pathLst>
+          </a:custGeom>
+          <a:solidFill>
+            <a:srgbClr val="ffffff"/>
+          </a:solidFill>
+          <a:ln w="14400">
+            <a:solidFill>
+              <a:srgbClr val="000000"/>
+            </a:solidFill>
+            <a:round/>
+          </a:ln>
+        </p:spPr>
+        <p:style>
+          <a:lnRef idx="0"/>
+          <a:fillRef idx="0"/>
+          <a:effectRef idx="0"/>
+          <a:fontRef idx="minor"/>
+        </p:style>
+      </p:sp>
+      <p:sp>
+        <p:nvSpPr>
+          <p:cNvPr id="108" name="TextShape 71"/>
+          <p:cNvSpPr txBox="1"/>
+          <p:nvPr/>
+        </p:nvSpPr>
+        <p:spPr>
+          <a:xfrm>
+            <a:off x="4608000" y="4248000"/>
+            <a:ext cx="432000" cy="433800"/>
+          </a:xfrm>
+          <a:prstGeom prst="rect">
+            <a:avLst/>
+          </a:prstGeom>
+          <a:noFill/>
+          <a:ln>
+            <a:noFill/>
+          </a:ln>
+        </p:spPr>
+        <p:txBody>
+          <a:bodyPr lIns="90000" rIns="90000" tIns="45000" bIns="45000"/>
+          <a:p>
+            <a:r>
+              <a:rPr b="0" lang="de-DE" sz="800" spc="-1" strike="noStrike">
+                <a:latin typeface="Arial"/>
+              </a:rPr>
+              <a:t>Bst#</a:t>
+            </a:r>
+            <a:endParaRPr b="0" lang="de-DE" sz="800" spc="-1" strike="noStrike">
+              <a:latin typeface="Arial"/>
+            </a:endParaRPr>
+          </a:p>
+          <a:p>
+            <a:r>
+              <a:rPr b="0" lang="de-DE" sz="800" spc="-1" strike="noStrike">
+                <a:latin typeface="Arial"/>
+              </a:rPr>
+              <a:t>Sorte</a:t>
+            </a:r>
+            <a:endParaRPr b="0" lang="de-DE" sz="800" spc="-1" strike="noStrike">
+              <a:latin typeface="Arial"/>
+            </a:endParaRPr>
+          </a:p>
+          <a:p>
+            <a:endParaRPr b="0" lang="de-DE" sz="800" spc="-1" strike="noStrike">
+              <a:latin typeface="Arial"/>
+            </a:endParaRPr>
+          </a:p>
+        </p:txBody>
+      </p:sp>
+      <p:sp>
+        <p:nvSpPr>
+          <p:cNvPr id="109" name="Freeform 72"/>
+          <p:cNvSpPr/>
+          <p:nvPr/>
+        </p:nvSpPr>
+        <p:spPr>
+          <a:xfrm>
+            <a:off x="6048000" y="4176000"/>
+            <a:ext cx="432360" cy="576360"/>
+          </a:xfrm>
+          <a:custGeom>
+            <a:avLst/>
+            <a:gdLst/>
+            <a:ahLst/>
+            <a:rect l="0" t="0" r="r" b="b"/>
+            <a:pathLst>
+              <a:path w="1201" h="1601">
+                <a:moveTo>
+                  <a:pt x="0" y="1600"/>
+                </a:moveTo>
+                <a:lnTo>
+                  <a:pt x="0" y="0"/>
+                </a:lnTo>
+                <a:lnTo>
+                  <a:pt x="800" y="0"/>
+                </a:lnTo>
+                <a:lnTo>
+                  <a:pt x="1200" y="400"/>
+                </a:lnTo>
+                <a:lnTo>
+                  <a:pt x="1200" y="1600"/>
+                </a:lnTo>
+                <a:lnTo>
+                  <a:pt x="0" y="1600"/>
+                </a:lnTo>
+              </a:path>
+            </a:pathLst>
+          </a:custGeom>
+          <a:solidFill>
+            <a:srgbClr val="ffffff"/>
+          </a:solidFill>
+          <a:ln w="14400">
+            <a:solidFill>
+              <a:srgbClr val="000000"/>
+            </a:solidFill>
+            <a:round/>
+          </a:ln>
+        </p:spPr>
+      </p:sp>
+      <p:sp>
+        <p:nvSpPr>
+          <p:cNvPr id="110" name="CustomShape 73"/>
+          <p:cNvSpPr/>
+          <p:nvPr/>
+        </p:nvSpPr>
+        <p:spPr>
+          <a:xfrm>
+            <a:off x="6336000" y="4176000"/>
+            <a:ext cx="144000" cy="144000"/>
+          </a:xfrm>
+          <a:custGeom>
+            <a:avLst/>
+            <a:gdLst/>
+            <a:ahLst/>
+            <a:rect l="l" t="t" r="r" b="b"/>
+            <a:pathLst>
+              <a:path w="21600" h="21600">
+                <a:moveTo>
+                  <a:pt x="0" y="0"/>
+                </a:moveTo>
+                <a:lnTo>
+                  <a:pt x="21600" y="21600"/>
+                </a:lnTo>
+                <a:lnTo>
+                  <a:pt x="0" y="21600"/>
+                </a:lnTo>
+                <a:lnTo>
+                  <a:pt x="0" y="0"/>
+                </a:lnTo>
+                <a:close/>
+              </a:path>
+            </a:pathLst>
+          </a:custGeom>
+          <a:solidFill>
+            <a:srgbClr val="ffffff"/>
+          </a:solidFill>
+          <a:ln w="14400">
+            <a:solidFill>
+              <a:srgbClr val="000000"/>
+            </a:solidFill>
+            <a:round/>
+          </a:ln>
+        </p:spPr>
+        <p:style>
+          <a:lnRef idx="0"/>
+          <a:fillRef idx="0"/>
+          <a:effectRef idx="0"/>
+          <a:fontRef idx="minor"/>
+        </p:style>
+      </p:sp>
+      <p:sp>
+        <p:nvSpPr>
+          <p:cNvPr id="111" name="TextShape 74"/>
+          <p:cNvSpPr txBox="1"/>
+          <p:nvPr/>
+        </p:nvSpPr>
+        <p:spPr>
+          <a:xfrm>
+            <a:off x="6048000" y="4320000"/>
+            <a:ext cx="432000" cy="432000"/>
+          </a:xfrm>
+          <a:prstGeom prst="rect">
+            <a:avLst/>
+          </a:prstGeom>
+          <a:noFill/>
+          <a:ln>
+            <a:noFill/>
+          </a:ln>
+        </p:spPr>
+        <p:txBody>
+          <a:bodyPr lIns="90000" rIns="90000" tIns="45000" bIns="45000"/>
+          <a:p>
+            <a:r>
+              <a:rPr b="0" lang="de-DE" sz="800" spc="-1" strike="noStrike">
+                <a:latin typeface="Arial"/>
+              </a:rPr>
+              <a:t>Bst#</a:t>
+            </a:r>
+            <a:endParaRPr b="0" lang="de-DE" sz="800" spc="-1" strike="noStrike">
+              <a:latin typeface="Arial"/>
+            </a:endParaRPr>
+          </a:p>
+          <a:p>
+            <a:endParaRPr b="0" lang="de-DE" sz="800" spc="-1" strike="noStrike">
+              <a:latin typeface="Arial"/>
+            </a:endParaRPr>
+          </a:p>
+        </p:txBody>
+      </p:sp>
+      <p:sp>
+        <p:nvSpPr>
+          <p:cNvPr id="112" name="Freeform 75"/>
+          <p:cNvSpPr/>
+          <p:nvPr/>
+        </p:nvSpPr>
+        <p:spPr>
+          <a:xfrm>
+            <a:off x="7704000" y="4176000"/>
+            <a:ext cx="432360" cy="576360"/>
+          </a:xfrm>
+          <a:custGeom>
+            <a:avLst/>
+            <a:gdLst/>
+            <a:ahLst/>
+            <a:rect l="0" t="0" r="r" b="b"/>
+            <a:pathLst>
+              <a:path w="1201" h="1601">
+                <a:moveTo>
+                  <a:pt x="0" y="1600"/>
+                </a:moveTo>
+                <a:lnTo>
+                  <a:pt x="0" y="0"/>
+                </a:lnTo>
+                <a:lnTo>
+                  <a:pt x="800" y="0"/>
+                </a:lnTo>
+                <a:lnTo>
+                  <a:pt x="1200" y="400"/>
+                </a:lnTo>
+                <a:lnTo>
+                  <a:pt x="1200" y="1600"/>
+                </a:lnTo>
+                <a:lnTo>
+                  <a:pt x="0" y="1600"/>
+                </a:lnTo>
+              </a:path>
+            </a:pathLst>
+          </a:custGeom>
+          <a:solidFill>
+            <a:srgbClr val="ffffff"/>
+          </a:solidFill>
+          <a:ln w="14400">
+            <a:solidFill>
+              <a:srgbClr val="000000"/>
+            </a:solidFill>
+            <a:round/>
+          </a:ln>
+        </p:spPr>
+      </p:sp>
+      <p:sp>
+        <p:nvSpPr>
+          <p:cNvPr id="113" name="CustomShape 76"/>
+          <p:cNvSpPr/>
+          <p:nvPr/>
+        </p:nvSpPr>
+        <p:spPr>
+          <a:xfrm>
+            <a:off x="7992000" y="4176000"/>
+            <a:ext cx="144000" cy="144000"/>
+          </a:xfrm>
+          <a:custGeom>
+            <a:avLst/>
+            <a:gdLst/>
+            <a:ahLst/>
+            <a:rect l="l" t="t" r="r" b="b"/>
+            <a:pathLst>
+              <a:path w="21600" h="21600">
+                <a:moveTo>
+                  <a:pt x="0" y="0"/>
+                </a:moveTo>
+                <a:lnTo>
+                  <a:pt x="21600" y="21600"/>
+                </a:lnTo>
+                <a:lnTo>
+                  <a:pt x="0" y="21600"/>
+                </a:lnTo>
+                <a:lnTo>
+                  <a:pt x="0" y="0"/>
+                </a:lnTo>
+                <a:close/>
+              </a:path>
+            </a:pathLst>
+          </a:custGeom>
+          <a:solidFill>
+            <a:srgbClr val="ffffff"/>
+          </a:solidFill>
+          <a:ln w="14400">
+            <a:solidFill>
+              <a:srgbClr val="000000"/>
+            </a:solidFill>
+            <a:round/>
+          </a:ln>
+        </p:spPr>
+        <p:style>
+          <a:lnRef idx="0"/>
+          <a:fillRef idx="0"/>
+          <a:effectRef idx="0"/>
+          <a:fontRef idx="minor"/>
+        </p:style>
+      </p:sp>
+      <p:sp>
+        <p:nvSpPr>
+          <p:cNvPr id="114" name="TextShape 77"/>
+          <p:cNvSpPr txBox="1"/>
+          <p:nvPr/>
+        </p:nvSpPr>
+        <p:spPr>
+          <a:xfrm>
+            <a:off x="7704000" y="4320000"/>
+            <a:ext cx="432000" cy="432000"/>
+          </a:xfrm>
+          <a:prstGeom prst="rect">
+            <a:avLst/>
+          </a:prstGeom>
+          <a:noFill/>
+          <a:ln>
+            <a:noFill/>
+          </a:ln>
+        </p:spPr>
+        <p:txBody>
+          <a:bodyPr lIns="90000" rIns="90000" tIns="45000" bIns="45000"/>
+          <a:p>
+            <a:r>
+              <a:rPr b="0" lang="de-DE" sz="800" spc="-1" strike="noStrike">
+                <a:latin typeface="Arial"/>
+              </a:rPr>
+              <a:t>Bst#</a:t>
+            </a:r>
+            <a:endParaRPr b="0" lang="de-DE" sz="800" spc="-1" strike="noStrike">
+              <a:latin typeface="Arial"/>
+            </a:endParaRPr>
+          </a:p>
+          <a:p>
+            <a:endParaRPr b="0" lang="de-DE" sz="800" spc="-1" strike="noStrike">
+              <a:latin typeface="Arial"/>
+            </a:endParaRPr>
+          </a:p>
+        </p:txBody>
+      </p:sp>
+      <p:sp>
+        <p:nvSpPr>
+          <p:cNvPr id="115" name="Freeform 78"/>
+          <p:cNvSpPr/>
+          <p:nvPr/>
+        </p:nvSpPr>
+        <p:spPr>
+          <a:xfrm>
+            <a:off x="4032000" y="5328000"/>
+            <a:ext cx="432360" cy="576360"/>
+          </a:xfrm>
+          <a:custGeom>
+            <a:avLst/>
+            <a:gdLst/>
+            <a:ahLst/>
+            <a:rect l="0" t="0" r="r" b="b"/>
+            <a:pathLst>
+              <a:path w="1201" h="1601">
+                <a:moveTo>
+                  <a:pt x="0" y="1600"/>
+                </a:moveTo>
+                <a:lnTo>
+                  <a:pt x="0" y="0"/>
+                </a:lnTo>
+                <a:lnTo>
+                  <a:pt x="800" y="0"/>
+                </a:lnTo>
+                <a:lnTo>
+                  <a:pt x="1200" y="400"/>
+                </a:lnTo>
+                <a:lnTo>
+                  <a:pt x="1200" y="1600"/>
+                </a:lnTo>
+                <a:lnTo>
+                  <a:pt x="0" y="1600"/>
+                </a:lnTo>
+              </a:path>
+            </a:pathLst>
+          </a:custGeom>
+          <a:solidFill>
+            <a:srgbClr val="ffffff"/>
+          </a:solidFill>
+          <a:ln w="14400">
+            <a:solidFill>
+              <a:srgbClr val="000000"/>
+            </a:solidFill>
+            <a:round/>
+          </a:ln>
+        </p:spPr>
+      </p:sp>
+      <p:sp>
+        <p:nvSpPr>
+          <p:cNvPr id="116" name="CustomShape 79"/>
+          <p:cNvSpPr/>
+          <p:nvPr/>
+        </p:nvSpPr>
+        <p:spPr>
+          <a:xfrm>
+            <a:off x="4320000" y="5328000"/>
+            <a:ext cx="144000" cy="144000"/>
+          </a:xfrm>
+          <a:custGeom>
+            <a:avLst/>
+            <a:gdLst/>
+            <a:ahLst/>
+            <a:rect l="l" t="t" r="r" b="b"/>
+            <a:pathLst>
+              <a:path w="21600" h="21600">
+                <a:moveTo>
+                  <a:pt x="0" y="0"/>
+                </a:moveTo>
+                <a:lnTo>
+                  <a:pt x="21600" y="21600"/>
+                </a:lnTo>
+                <a:lnTo>
+                  <a:pt x="0" y="21600"/>
+                </a:lnTo>
+                <a:lnTo>
+                  <a:pt x="0" y="0"/>
+                </a:lnTo>
+                <a:close/>
+              </a:path>
+            </a:pathLst>
+          </a:custGeom>
+          <a:solidFill>
+            <a:srgbClr val="ffffff"/>
+          </a:solidFill>
+          <a:ln w="14400">
+            <a:solidFill>
+              <a:srgbClr val="000000"/>
+            </a:solidFill>
+            <a:round/>
+          </a:ln>
+        </p:spPr>
+        <p:style>
+          <a:lnRef idx="0"/>
+          <a:fillRef idx="0"/>
+          <a:effectRef idx="0"/>
+          <a:fontRef idx="minor"/>
+        </p:style>
+      </p:sp>
+      <p:sp>
+        <p:nvSpPr>
+          <p:cNvPr id="117" name="TextShape 80"/>
+          <p:cNvSpPr txBox="1"/>
+          <p:nvPr/>
+        </p:nvSpPr>
+        <p:spPr>
+          <a:xfrm>
+            <a:off x="4032000" y="5472000"/>
+            <a:ext cx="432000" cy="432000"/>
+          </a:xfrm>
+          <a:prstGeom prst="rect">
+            <a:avLst/>
+          </a:prstGeom>
+          <a:noFill/>
+          <a:ln>
+            <a:noFill/>
+          </a:ln>
+        </p:spPr>
+        <p:txBody>
+          <a:bodyPr lIns="90000" rIns="90000" tIns="45000" bIns="45000"/>
+          <a:p>
+            <a:r>
+              <a:rPr b="0" lang="de-DE" sz="800" spc="-1" strike="noStrike">
+                <a:latin typeface="Arial"/>
+              </a:rPr>
+              <a:t>Bst#</a:t>
+            </a:r>
+            <a:endParaRPr b="0" lang="de-DE" sz="800" spc="-1" strike="noStrike">
+              <a:latin typeface="Arial"/>
+            </a:endParaRPr>
+          </a:p>
+          <a:p>
+            <a:endParaRPr b="0" lang="de-DE" sz="800" spc="-1" strike="noStrike">
+              <a:latin typeface="Arial"/>
+            </a:endParaRPr>
+          </a:p>
+        </p:txBody>
+      </p:sp>
+      <p:sp>
+        <p:nvSpPr>
+          <p:cNvPr id="118" name="Freeform 81"/>
+          <p:cNvSpPr/>
+          <p:nvPr/>
+        </p:nvSpPr>
+        <p:spPr>
+          <a:xfrm>
+            <a:off x="7200000" y="5296680"/>
+            <a:ext cx="432360" cy="576360"/>
+          </a:xfrm>
+          <a:custGeom>
+            <a:avLst/>
+            <a:gdLst/>
+            <a:ahLst/>
+            <a:rect l="0" t="0" r="r" b="b"/>
+            <a:pathLst>
+              <a:path w="1201" h="1601">
+                <a:moveTo>
+                  <a:pt x="0" y="1600"/>
+                </a:moveTo>
+                <a:lnTo>
+                  <a:pt x="0" y="0"/>
+                </a:lnTo>
+                <a:lnTo>
+                  <a:pt x="800" y="0"/>
+                </a:lnTo>
+                <a:lnTo>
+                  <a:pt x="1200" y="400"/>
+                </a:lnTo>
+                <a:lnTo>
+                  <a:pt x="1200" y="1600"/>
+                </a:lnTo>
+                <a:lnTo>
+                  <a:pt x="0" y="1600"/>
+                </a:lnTo>
+              </a:path>
+            </a:pathLst>
+          </a:custGeom>
+          <a:solidFill>
+            <a:srgbClr val="ffffff"/>
+          </a:solidFill>
+          <a:ln w="14400">
+            <a:solidFill>
+              <a:srgbClr val="000000"/>
+            </a:solidFill>
+            <a:round/>
+          </a:ln>
+        </p:spPr>
+      </p:sp>
+      <p:sp>
+        <p:nvSpPr>
+          <p:cNvPr id="119" name="CustomShape 82"/>
+          <p:cNvSpPr/>
+          <p:nvPr/>
+        </p:nvSpPr>
+        <p:spPr>
+          <a:xfrm>
+            <a:off x="7488000" y="5296680"/>
+            <a:ext cx="144000" cy="144000"/>
+          </a:xfrm>
+          <a:custGeom>
+            <a:avLst/>
+            <a:gdLst/>
+            <a:ahLst/>
+            <a:rect l="l" t="t" r="r" b="b"/>
+            <a:pathLst>
+              <a:path w="21600" h="21600">
+                <a:moveTo>
+                  <a:pt x="0" y="0"/>
+                </a:moveTo>
+                <a:lnTo>
+                  <a:pt x="21600" y="21600"/>
+                </a:lnTo>
+                <a:lnTo>
+                  <a:pt x="0" y="21600"/>
+                </a:lnTo>
+                <a:lnTo>
+                  <a:pt x="0" y="0"/>
+                </a:lnTo>
+                <a:close/>
+              </a:path>
+            </a:pathLst>
+          </a:custGeom>
+          <a:solidFill>
+            <a:srgbClr val="ffffff"/>
+          </a:solidFill>
+          <a:ln w="14400">
+            <a:solidFill>
+              <a:srgbClr val="000000"/>
+            </a:solidFill>
+            <a:round/>
+          </a:ln>
+        </p:spPr>
+        <p:style>
+          <a:lnRef idx="0"/>
+          <a:fillRef idx="0"/>
+          <a:effectRef idx="0"/>
+          <a:fontRef idx="minor"/>
+        </p:style>
+      </p:sp>
+      <p:sp>
+        <p:nvSpPr>
+          <p:cNvPr id="120" name="TextShape 83"/>
+          <p:cNvSpPr txBox="1"/>
+          <p:nvPr/>
+        </p:nvSpPr>
+        <p:spPr>
+          <a:xfrm>
+            <a:off x="7200000" y="5440680"/>
+            <a:ext cx="432000" cy="432000"/>
+          </a:xfrm>
+          <a:prstGeom prst="rect">
+            <a:avLst/>
+          </a:prstGeom>
+          <a:noFill/>
+          <a:ln>
+            <a:noFill/>
+          </a:ln>
+        </p:spPr>
+        <p:txBody>
+          <a:bodyPr lIns="90000" rIns="90000" tIns="45000" bIns="45000"/>
+          <a:p>
+            <a:r>
+              <a:rPr b="0" lang="de-DE" sz="800" spc="-1" strike="noStrike">
+                <a:latin typeface="Arial"/>
+              </a:rPr>
+              <a:t>Bst#</a:t>
+            </a:r>
+            <a:endParaRPr b="0" lang="de-DE" sz="800" spc="-1" strike="noStrike">
+              <a:latin typeface="Arial"/>
+            </a:endParaRPr>
+          </a:p>
+          <a:p>
+            <a:endParaRPr b="0" lang="de-DE" sz="800" spc="-1" strike="noStrike">
+              <a:latin typeface="Arial"/>
+            </a:endParaRPr>
+          </a:p>
+        </p:txBody>
+      </p:sp>
+      <p:sp>
+        <p:nvSpPr>
+          <p:cNvPr id="121" name="Freeform 84"/>
+          <p:cNvSpPr/>
+          <p:nvPr/>
+        </p:nvSpPr>
+        <p:spPr>
+          <a:xfrm>
+            <a:off x="8712000" y="5256000"/>
+            <a:ext cx="432360" cy="576360"/>
+          </a:xfrm>
+          <a:custGeom>
+            <a:avLst/>
+            <a:gdLst/>
+            <a:ahLst/>
+            <a:rect l="0" t="0" r="r" b="b"/>
+            <a:pathLst>
+              <a:path w="1201" h="1601">
+                <a:moveTo>
+                  <a:pt x="0" y="1600"/>
+                </a:moveTo>
+                <a:lnTo>
+                  <a:pt x="0" y="0"/>
+                </a:lnTo>
+                <a:lnTo>
+                  <a:pt x="800" y="0"/>
+                </a:lnTo>
+                <a:lnTo>
+                  <a:pt x="1200" y="400"/>
+                </a:lnTo>
+                <a:lnTo>
+                  <a:pt x="1200" y="1600"/>
+                </a:lnTo>
+                <a:lnTo>
+                  <a:pt x="0" y="1600"/>
+                </a:lnTo>
+              </a:path>
+            </a:pathLst>
+          </a:custGeom>
+          <a:solidFill>
+            <a:srgbClr val="ffffff"/>
+          </a:solidFill>
+          <a:ln w="14400">
+            <a:solidFill>
+              <a:srgbClr val="000000"/>
+            </a:solidFill>
+            <a:round/>
+          </a:ln>
+        </p:spPr>
+      </p:sp>
+      <p:sp>
+        <p:nvSpPr>
+          <p:cNvPr id="122" name="CustomShape 85"/>
+          <p:cNvSpPr/>
+          <p:nvPr/>
+        </p:nvSpPr>
+        <p:spPr>
+          <a:xfrm>
+            <a:off x="9000000" y="5256000"/>
+            <a:ext cx="144000" cy="144000"/>
+          </a:xfrm>
+          <a:custGeom>
+            <a:avLst/>
+            <a:gdLst/>
+            <a:ahLst/>
+            <a:rect l="l" t="t" r="r" b="b"/>
+            <a:pathLst>
+              <a:path w="21600" h="21600">
+                <a:moveTo>
+                  <a:pt x="0" y="0"/>
+                </a:moveTo>
+                <a:lnTo>
+                  <a:pt x="21600" y="21600"/>
+                </a:lnTo>
+                <a:lnTo>
+                  <a:pt x="0" y="21600"/>
+                </a:lnTo>
+                <a:lnTo>
+                  <a:pt x="0" y="0"/>
+                </a:lnTo>
+                <a:close/>
+              </a:path>
+            </a:pathLst>
+          </a:custGeom>
+          <a:solidFill>
+            <a:srgbClr val="ffffff"/>
+          </a:solidFill>
+          <a:ln w="14400">
+            <a:solidFill>
+              <a:srgbClr val="000000"/>
+            </a:solidFill>
+            <a:round/>
+          </a:ln>
+        </p:spPr>
+        <p:style>
+          <a:lnRef idx="0"/>
+          <a:fillRef idx="0"/>
+          <a:effectRef idx="0"/>
+          <a:fontRef idx="minor"/>
+        </p:style>
+      </p:sp>
+      <p:sp>
+        <p:nvSpPr>
+          <p:cNvPr id="123" name="TextShape 86"/>
+          <p:cNvSpPr txBox="1"/>
+          <p:nvPr/>
+        </p:nvSpPr>
+        <p:spPr>
+          <a:xfrm>
+            <a:off x="8712000" y="5400000"/>
+            <a:ext cx="432000" cy="432000"/>
+          </a:xfrm>
+          <a:prstGeom prst="rect">
+            <a:avLst/>
+          </a:prstGeom>
+          <a:noFill/>
+          <a:ln>
+            <a:noFill/>
+          </a:ln>
+        </p:spPr>
+        <p:txBody>
+          <a:bodyPr lIns="90000" rIns="90000" tIns="45000" bIns="45000"/>
+          <a:p>
+            <a:r>
+              <a:rPr b="0" lang="de-DE" sz="800" spc="-1" strike="noStrike">
+                <a:latin typeface="Arial"/>
+              </a:rPr>
+              <a:t>Bst#</a:t>
+            </a:r>
+            <a:endParaRPr b="0" lang="de-DE" sz="800" spc="-1" strike="noStrike">
+              <a:latin typeface="Arial"/>
+            </a:endParaRPr>
+          </a:p>
+          <a:p>
+            <a:endParaRPr b="0" lang="de-DE" sz="800" spc="-1" strike="noStrike">
+              <a:latin typeface="Arial"/>
+            </a:endParaRPr>
+          </a:p>
+        </p:txBody>
+      </p:sp>
+      <p:sp>
+        <p:nvSpPr>
+          <p:cNvPr id="124" name="Freeform 87"/>
+          <p:cNvSpPr/>
+          <p:nvPr/>
+        </p:nvSpPr>
+        <p:spPr>
+          <a:xfrm>
+            <a:off x="10296000" y="5256000"/>
+            <a:ext cx="432360" cy="576360"/>
+          </a:xfrm>
+          <a:custGeom>
+            <a:avLst/>
+            <a:gdLst/>
+            <a:ahLst/>
+            <a:rect l="0" t="0" r="r" b="b"/>
+            <a:pathLst>
+              <a:path w="1201" h="1601">
+                <a:moveTo>
+                  <a:pt x="0" y="1600"/>
+                </a:moveTo>
+                <a:lnTo>
+                  <a:pt x="0" y="0"/>
+                </a:lnTo>
+                <a:lnTo>
+                  <a:pt x="800" y="0"/>
+                </a:lnTo>
+                <a:lnTo>
+                  <a:pt x="1200" y="400"/>
+                </a:lnTo>
+                <a:lnTo>
+                  <a:pt x="1200" y="1600"/>
+                </a:lnTo>
+                <a:lnTo>
+                  <a:pt x="0" y="1600"/>
+                </a:lnTo>
+              </a:path>
+            </a:pathLst>
+          </a:custGeom>
+          <a:solidFill>
+            <a:srgbClr val="ffffff"/>
+          </a:solidFill>
+          <a:ln w="14400">
+            <a:solidFill>
+              <a:srgbClr val="000000"/>
+            </a:solidFill>
+            <a:round/>
+          </a:ln>
+        </p:spPr>
+      </p:sp>
+      <p:sp>
+        <p:nvSpPr>
+          <p:cNvPr id="125" name="CustomShape 88"/>
+          <p:cNvSpPr/>
+          <p:nvPr/>
+        </p:nvSpPr>
+        <p:spPr>
+          <a:xfrm>
+            <a:off x="10584000" y="5256000"/>
+            <a:ext cx="144000" cy="144000"/>
+          </a:xfrm>
+          <a:custGeom>
+            <a:avLst/>
+            <a:gdLst/>
+            <a:ahLst/>
+            <a:rect l="l" t="t" r="r" b="b"/>
+            <a:pathLst>
+              <a:path w="21600" h="21600">
+                <a:moveTo>
+                  <a:pt x="0" y="0"/>
+                </a:moveTo>
+                <a:lnTo>
+                  <a:pt x="21600" y="21600"/>
+                </a:lnTo>
+                <a:lnTo>
+                  <a:pt x="0" y="21600"/>
+                </a:lnTo>
+                <a:lnTo>
+                  <a:pt x="0" y="0"/>
+                </a:lnTo>
+                <a:close/>
+              </a:path>
+            </a:pathLst>
+          </a:custGeom>
+          <a:solidFill>
+            <a:srgbClr val="ffffff"/>
+          </a:solidFill>
+          <a:ln w="14400">
+            <a:solidFill>
+              <a:srgbClr val="000000"/>
+            </a:solidFill>
+            <a:round/>
+          </a:ln>
+        </p:spPr>
+        <p:style>
+          <a:lnRef idx="0"/>
+          <a:fillRef idx="0"/>
+          <a:effectRef idx="0"/>
+          <a:fontRef idx="minor"/>
+        </p:style>
+      </p:sp>
+      <p:sp>
+        <p:nvSpPr>
+          <p:cNvPr id="126" name="TextShape 89"/>
+          <p:cNvSpPr txBox="1"/>
+          <p:nvPr/>
+        </p:nvSpPr>
+        <p:spPr>
+          <a:xfrm>
+            <a:off x="10296000" y="5400000"/>
+            <a:ext cx="432000" cy="432000"/>
+          </a:xfrm>
+          <a:prstGeom prst="rect">
+            <a:avLst/>
+          </a:prstGeom>
+          <a:noFill/>
+          <a:ln>
+            <a:noFill/>
+          </a:ln>
+        </p:spPr>
+        <p:txBody>
+          <a:bodyPr lIns="90000" rIns="90000" tIns="45000" bIns="45000"/>
+          <a:p>
+            <a:r>
+              <a:rPr b="0" lang="de-DE" sz="800" spc="-1" strike="noStrike">
+                <a:latin typeface="Arial"/>
+              </a:rPr>
+              <a:t>Bst#</a:t>
+            </a:r>
+            <a:endParaRPr b="0" lang="de-DE" sz="800" spc="-1" strike="noStrike">
+              <a:latin typeface="Arial"/>
+            </a:endParaRPr>
+          </a:p>
+          <a:p>
+            <a:endParaRPr b="0" lang="de-DE" sz="800" spc="-1" strike="noStrike">
               <a:latin typeface="Arial"/>
             </a:endParaRPr>
           </a:p>
@@ -3587,7 +6152,7 @@
                                           </p:stCondLst>
                                         </p:cTn>
                                         <p:tgtEl>
-                                          <p:spTgt spid="48"/>
+                                          <p:spTgt spid="45"/>
                                         </p:tgtEl>
                                         <p:attrNameLst>
                                           <p:attrName>style.visibility</p:attrName>
@@ -3601,7 +6166,7 @@
                                       <p:cBhvr additive="repl">
                                         <p:cTn id="7" dur="500" fill="hold"/>
                                         <p:tgtEl>
-                                          <p:spTgt spid="48"/>
+                                          <p:spTgt spid="45"/>
                                         </p:tgtEl>
                                         <p:attrNameLst>
                                           <p:attrName>ppt_x</p:attrName>
@@ -3624,7 +6189,7 @@
                                       <p:cBhvr additive="repl">
                                         <p:cTn id="8" dur="500" fill="hold"/>
                                         <p:tgtEl>
-                                          <p:spTgt spid="48"/>
+                                          <p:spTgt spid="45"/>
                                         </p:tgtEl>
                                         <p:attrNameLst>
                                           <p:attrName>ppt_y</p:attrName>
@@ -3660,7 +6225,7 @@
                                           </p:stCondLst>
                                         </p:cTn>
                                         <p:tgtEl>
-                                          <p:spTgt spid="46"/>
+                                          <p:spTgt spid="43"/>
                                         </p:tgtEl>
                                         <p:attrNameLst>
                                           <p:attrName>style.visibility</p:attrName>
@@ -3674,7 +6239,7 @@
                                       <p:cBhvr additive="repl">
                                         <p:cTn id="11" dur="500" fill="hold"/>
                                         <p:tgtEl>
-                                          <p:spTgt spid="46"/>
+                                          <p:spTgt spid="43"/>
                                         </p:tgtEl>
                                         <p:attrNameLst>
                                           <p:attrName>ppt_x</p:attrName>
@@ -3697,7 +6262,7 @@
                                       <p:cBhvr additive="repl">
                                         <p:cTn id="12" dur="500" fill="hold"/>
                                         <p:tgtEl>
-                                          <p:spTgt spid="46"/>
+                                          <p:spTgt spid="43"/>
                                         </p:tgtEl>
                                         <p:attrNameLst>
                                           <p:attrName>ppt_y</p:attrName>
@@ -3733,7 +6298,7 @@
                                           </p:stCondLst>
                                         </p:cTn>
                                         <p:tgtEl>
-                                          <p:spTgt spid="47"/>
+                                          <p:spTgt spid="44"/>
                                         </p:tgtEl>
                                         <p:attrNameLst>
                                           <p:attrName>style.visibility</p:attrName>
@@ -3747,7 +6312,7 @@
                                       <p:cBhvr additive="repl">
                                         <p:cTn id="15" dur="500" fill="hold"/>
                                         <p:tgtEl>
-                                          <p:spTgt spid="47"/>
+                                          <p:spTgt spid="44"/>
                                         </p:tgtEl>
                                         <p:attrNameLst>
                                           <p:attrName>ppt_x</p:attrName>
@@ -3770,7 +6335,7 @@
                                       <p:cBhvr additive="repl">
                                         <p:cTn id="16" dur="500" fill="hold"/>
                                         <p:tgtEl>
-                                          <p:spTgt spid="47"/>
+                                          <p:spTgt spid="44"/>
                                         </p:tgtEl>
                                         <p:attrNameLst>
                                           <p:attrName>ppt_y</p:attrName>
@@ -3806,7 +6371,7 @@
                                           </p:stCondLst>
                                         </p:cTn>
                                         <p:tgtEl>
-                                          <p:spTgt spid="52"/>
+                                          <p:spTgt spid="49"/>
                                         </p:tgtEl>
                                         <p:attrNameLst>
                                           <p:attrName>style.visibility</p:attrName>
@@ -3820,7 +6385,7 @@
                                       <p:cBhvr additive="repl">
                                         <p:cTn id="19" dur="500" fill="hold"/>
                                         <p:tgtEl>
-                                          <p:spTgt spid="52"/>
+                                          <p:spTgt spid="49"/>
                                         </p:tgtEl>
                                         <p:attrNameLst>
                                           <p:attrName>ppt_x</p:attrName>
@@ -3843,7 +6408,7 @@
                                       <p:cBhvr additive="repl">
                                         <p:cTn id="20" dur="500" fill="hold"/>
                                         <p:tgtEl>
-                                          <p:spTgt spid="52"/>
+                                          <p:spTgt spid="49"/>
                                         </p:tgtEl>
                                         <p:attrNameLst>
                                           <p:attrName>ppt_y</p:attrName>
@@ -3879,7 +6444,7 @@
                                           </p:stCondLst>
                                         </p:cTn>
                                         <p:tgtEl>
-                                          <p:spTgt spid="58"/>
+                                          <p:spTgt spid="55"/>
                                         </p:tgtEl>
                                         <p:attrNameLst>
                                           <p:attrName>style.visibility</p:attrName>
@@ -3893,7 +6458,7 @@
                                       <p:cBhvr additive="repl">
                                         <p:cTn id="23" dur="500" fill="hold"/>
                                         <p:tgtEl>
-                                          <p:spTgt spid="58"/>
+                                          <p:spTgt spid="55"/>
                                         </p:tgtEl>
                                         <p:attrNameLst>
                                           <p:attrName>ppt_x</p:attrName>
@@ -3916,7 +6481,7 @@
                                       <p:cBhvr additive="repl">
                                         <p:cTn id="24" dur="500" fill="hold"/>
                                         <p:tgtEl>
-                                          <p:spTgt spid="58"/>
+                                          <p:spTgt spid="55"/>
                                         </p:tgtEl>
                                         <p:attrNameLst>
                                           <p:attrName>ppt_y</p:attrName>
@@ -3952,7 +6517,7 @@
                                           </p:stCondLst>
                                         </p:cTn>
                                         <p:tgtEl>
-                                          <p:spTgt spid="61"/>
+                                          <p:spTgt spid="58"/>
                                         </p:tgtEl>
                                         <p:attrNameLst>
                                           <p:attrName>style.visibility</p:attrName>
@@ -3966,7 +6531,7 @@
                                       <p:cBhvr additive="repl">
                                         <p:cTn id="27" dur="500" fill="hold"/>
                                         <p:tgtEl>
-                                          <p:spTgt spid="61"/>
+                                          <p:spTgt spid="58"/>
                                         </p:tgtEl>
                                         <p:attrNameLst>
                                           <p:attrName>ppt_x</p:attrName>
@@ -3989,7 +6554,7 @@
                                       <p:cBhvr additive="repl">
                                         <p:cTn id="28" dur="500" fill="hold"/>
                                         <p:tgtEl>
-                                          <p:spTgt spid="61"/>
+                                          <p:spTgt spid="58"/>
                                         </p:tgtEl>
                                         <p:attrNameLst>
                                           <p:attrName>ppt_y</p:attrName>
@@ -4025,7 +6590,7 @@
                                           </p:stCondLst>
                                         </p:cTn>
                                         <p:tgtEl>
-                                          <p:spTgt spid="53"/>
+                                          <p:spTgt spid="50"/>
                                         </p:tgtEl>
                                         <p:attrNameLst>
                                           <p:attrName>style.visibility</p:attrName>
@@ -4039,7 +6604,7 @@
                                       <p:cBhvr additive="repl">
                                         <p:cTn id="31" dur="500" fill="hold"/>
                                         <p:tgtEl>
-                                          <p:spTgt spid="53"/>
+                                          <p:spTgt spid="50"/>
                                         </p:tgtEl>
                                         <p:attrNameLst>
                                           <p:attrName>ppt_x</p:attrName>
@@ -4062,7 +6627,7 @@
                                       <p:cBhvr additive="repl">
                                         <p:cTn id="32" dur="500" fill="hold"/>
                                         <p:tgtEl>
-                                          <p:spTgt spid="53"/>
+                                          <p:spTgt spid="50"/>
                                         </p:tgtEl>
                                         <p:attrNameLst>
                                           <p:attrName>ppt_y</p:attrName>
@@ -4098,7 +6663,7 @@
                                           </p:stCondLst>
                                         </p:cTn>
                                         <p:tgtEl>
-                                          <p:spTgt spid="49"/>
+                                          <p:spTgt spid="46"/>
                                         </p:tgtEl>
                                         <p:attrNameLst>
                                           <p:attrName>style.visibility</p:attrName>
@@ -4112,7 +6677,7 @@
                                       <p:cBhvr additive="repl">
                                         <p:cTn id="35" dur="500" fill="hold"/>
                                         <p:tgtEl>
-                                          <p:spTgt spid="49"/>
+                                          <p:spTgt spid="46"/>
                                         </p:tgtEl>
                                         <p:attrNameLst>
                                           <p:attrName>ppt_x</p:attrName>
@@ -4135,7 +6700,7 @@
                                       <p:cBhvr additive="repl">
                                         <p:cTn id="36" dur="500" fill="hold"/>
                                         <p:tgtEl>
-                                          <p:spTgt spid="49"/>
+                                          <p:spTgt spid="46"/>
                                         </p:tgtEl>
                                         <p:attrNameLst>
                                           <p:attrName>ppt_y</p:attrName>
@@ -4171,7 +6736,7 @@
                                           </p:stCondLst>
                                         </p:cTn>
                                         <p:tgtEl>
-                                          <p:spTgt spid="51"/>
+                                          <p:spTgt spid="48"/>
                                         </p:tgtEl>
                                         <p:attrNameLst>
                                           <p:attrName>style.visibility</p:attrName>
@@ -4185,7 +6750,7 @@
                                       <p:cBhvr additive="repl">
                                         <p:cTn id="39" dur="500" fill="hold"/>
                                         <p:tgtEl>
-                                          <p:spTgt spid="51"/>
+                                          <p:spTgt spid="48"/>
                                         </p:tgtEl>
                                         <p:attrNameLst>
                                           <p:attrName>ppt_x</p:attrName>
@@ -4208,7 +6773,7 @@
                                       <p:cBhvr additive="repl">
                                         <p:cTn id="40" dur="500" fill="hold"/>
                                         <p:tgtEl>
-                                          <p:spTgt spid="51"/>
+                                          <p:spTgt spid="48"/>
                                         </p:tgtEl>
                                         <p:attrNameLst>
                                           <p:attrName>ppt_y</p:attrName>
@@ -4244,7 +6809,7 @@
                                           </p:stCondLst>
                                         </p:cTn>
                                         <p:tgtEl>
-                                          <p:spTgt spid="50"/>
+                                          <p:spTgt spid="47"/>
                                         </p:tgtEl>
                                         <p:attrNameLst>
                                           <p:attrName>style.visibility</p:attrName>
@@ -4258,7 +6823,7 @@
                                       <p:cBhvr additive="repl">
                                         <p:cTn id="43" dur="500" fill="hold"/>
                                         <p:tgtEl>
-                                          <p:spTgt spid="50"/>
+                                          <p:spTgt spid="47"/>
                                         </p:tgtEl>
                                         <p:attrNameLst>
                                           <p:attrName>ppt_x</p:attrName>
@@ -4281,7 +6846,7 @@
                                       <p:cBhvr additive="repl">
                                         <p:cTn id="44" dur="500" fill="hold"/>
                                         <p:tgtEl>
-                                          <p:spTgt spid="50"/>
+                                          <p:spTgt spid="47"/>
                                         </p:tgtEl>
                                         <p:attrNameLst>
                                           <p:attrName>ppt_y</p:attrName>
@@ -4317,7 +6882,7 @@
                                           </p:stCondLst>
                                         </p:cTn>
                                         <p:tgtEl>
-                                          <p:spTgt spid="45"/>
+                                          <p:spTgt spid="42"/>
                                         </p:tgtEl>
                                         <p:attrNameLst>
                                           <p:attrName>style.visibility</p:attrName>
@@ -4331,7 +6896,7 @@
                                       <p:cBhvr additive="repl">
                                         <p:cTn id="47" dur="500"/>
                                         <p:tgtEl>
-                                          <p:spTgt spid="45"/>
+                                          <p:spTgt spid="42"/>
                                         </p:tgtEl>
                                       </p:cBhvr>
                                     </p:animEffect>
@@ -4352,7 +6917,7 @@
                                           </p:stCondLst>
                                         </p:cTn>
                                         <p:tgtEl>
-                                          <p:spTgt spid="44"/>
+                                          <p:spTgt spid="41"/>
                                         </p:tgtEl>
                                         <p:attrNameLst>
                                           <p:attrName>style.visibility</p:attrName>
@@ -4366,7 +6931,7 @@
                                       <p:cBhvr additive="repl">
                                         <p:cTn id="50" dur="500"/>
                                         <p:tgtEl>
-                                          <p:spTgt spid="44"/>
+                                          <p:spTgt spid="41"/>
                                         </p:tgtEl>
                                       </p:cBhvr>
                                     </p:animEffect>
@@ -4387,7 +6952,7 @@
                                           </p:stCondLst>
                                         </p:cTn>
                                         <p:tgtEl>
-                                          <p:spTgt spid="43"/>
+                                          <p:spTgt spid="40"/>
                                         </p:tgtEl>
                                         <p:attrNameLst>
                                           <p:attrName>style.visibility</p:attrName>
@@ -4401,7 +6966,7 @@
                                       <p:cBhvr additive="repl">
                                         <p:cTn id="53" dur="500"/>
                                         <p:tgtEl>
-                                          <p:spTgt spid="43"/>
+                                          <p:spTgt spid="40"/>
                                         </p:tgtEl>
                                       </p:cBhvr>
                                     </p:animEffect>
@@ -4422,7 +6987,7 @@
                                           </p:stCondLst>
                                         </p:cTn>
                                         <p:tgtEl>
-                                          <p:spTgt spid="42"/>
+                                          <p:spTgt spid="39"/>
                                         </p:tgtEl>
                                         <p:attrNameLst>
                                           <p:attrName>style.visibility</p:attrName>
@@ -4436,7 +7001,7 @@
                                       <p:cBhvr additive="repl">
                                         <p:cTn id="56" dur="500"/>
                                         <p:tgtEl>
-                                          <p:spTgt spid="42"/>
+                                          <p:spTgt spid="39"/>
                                         </p:tgtEl>
                                       </p:cBhvr>
                                     </p:animEffect>
@@ -4457,7 +7022,7 @@
                                           </p:stCondLst>
                                         </p:cTn>
                                         <p:tgtEl>
-                                          <p:spTgt spid="41"/>
+                                          <p:spTgt spid="38"/>
                                         </p:tgtEl>
                                         <p:attrNameLst>
                                           <p:attrName>style.visibility</p:attrName>
@@ -4471,7 +7036,7 @@
                                       <p:cBhvr additive="repl">
                                         <p:cTn id="59" dur="500"/>
                                         <p:tgtEl>
-                                          <p:spTgt spid="41"/>
+                                          <p:spTgt spid="38"/>
                                         </p:tgtEl>
                                       </p:cBhvr>
                                     </p:animEffect>
@@ -4492,7 +7057,7 @@
                                           </p:stCondLst>
                                         </p:cTn>
                                         <p:tgtEl>
-                                          <p:spTgt spid="54"/>
+                                          <p:spTgt spid="51"/>
                                         </p:tgtEl>
                                         <p:attrNameLst>
                                           <p:attrName>style.visibility</p:attrName>
@@ -4506,7 +7071,7 @@
                                       <p:cBhvr additive="repl">
                                         <p:cTn id="62" dur="500"/>
                                         <p:tgtEl>
-                                          <p:spTgt spid="54"/>
+                                          <p:spTgt spid="51"/>
                                         </p:tgtEl>
                                       </p:cBhvr>
                                     </p:animEffect>
@@ -4527,7 +7092,7 @@
                                           </p:stCondLst>
                                         </p:cTn>
                                         <p:tgtEl>
-                                          <p:spTgt spid="55"/>
+                                          <p:spTgt spid="52"/>
                                         </p:tgtEl>
                                         <p:attrNameLst>
                                           <p:attrName>style.visibility</p:attrName>
@@ -4541,7 +7106,7 @@
                                       <p:cBhvr additive="repl">
                                         <p:cTn id="65" dur="500"/>
                                         <p:tgtEl>
-                                          <p:spTgt spid="55"/>
+                                          <p:spTgt spid="52"/>
                                         </p:tgtEl>
                                       </p:cBhvr>
                                     </p:animEffect>
@@ -4562,7 +7127,7 @@
                                           </p:stCondLst>
                                         </p:cTn>
                                         <p:tgtEl>
-                                          <p:spTgt spid="56"/>
+                                          <p:spTgt spid="53"/>
                                         </p:tgtEl>
                                         <p:attrNameLst>
                                           <p:attrName>style.visibility</p:attrName>
@@ -4576,7 +7141,7 @@
                                       <p:cBhvr additive="repl">
                                         <p:cTn id="68" dur="500"/>
                                         <p:tgtEl>
-                                          <p:spTgt spid="56"/>
+                                          <p:spTgt spid="53"/>
                                         </p:tgtEl>
                                       </p:cBhvr>
                                     </p:animEffect>
@@ -4597,7 +7162,7 @@
                                           </p:stCondLst>
                                         </p:cTn>
                                         <p:tgtEl>
-                                          <p:spTgt spid="57"/>
+                                          <p:spTgt spid="54"/>
                                         </p:tgtEl>
                                         <p:attrNameLst>
                                           <p:attrName>style.visibility</p:attrName>
@@ -4611,7 +7176,7 @@
                                       <p:cBhvr additive="repl">
                                         <p:cTn id="71" dur="500"/>
                                         <p:tgtEl>
-                                          <p:spTgt spid="57"/>
+                                          <p:spTgt spid="54"/>
                                         </p:tgtEl>
                                       </p:cBhvr>
                                     </p:animEffect>
@@ -4632,7 +7197,7 @@
                                           </p:stCondLst>
                                         </p:cTn>
                                         <p:tgtEl>
-                                          <p:spTgt spid="65"/>
+                                          <p:spTgt spid="62"/>
                                         </p:tgtEl>
                                         <p:attrNameLst>
                                           <p:attrName>style.visibility</p:attrName>
@@ -4646,7 +7211,7 @@
                                       <p:cBhvr additive="repl">
                                         <p:cTn id="74" dur="500"/>
                                         <p:tgtEl>
-                                          <p:spTgt spid="65"/>
+                                          <p:spTgt spid="62"/>
                                         </p:tgtEl>
                                       </p:cBhvr>
                                     </p:animEffect>
@@ -4667,7 +7232,7 @@
                                           </p:stCondLst>
                                         </p:cTn>
                                         <p:tgtEl>
-                                          <p:spTgt spid="67"/>
+                                          <p:spTgt spid="64"/>
                                         </p:tgtEl>
                                         <p:attrNameLst>
                                           <p:attrName>style.visibility</p:attrName>
@@ -4681,7 +7246,7 @@
                                       <p:cBhvr additive="repl">
                                         <p:cTn id="77" dur="500"/>
                                         <p:tgtEl>
-                                          <p:spTgt spid="67"/>
+                                          <p:spTgt spid="64"/>
                                         </p:tgtEl>
                                       </p:cBhvr>
                                     </p:animEffect>
@@ -4702,7 +7267,7 @@
                                           </p:stCondLst>
                                         </p:cTn>
                                         <p:tgtEl>
-                                          <p:spTgt spid="59"/>
+                                          <p:spTgt spid="56"/>
                                         </p:tgtEl>
                                         <p:attrNameLst>
                                           <p:attrName>style.visibility</p:attrName>
@@ -4716,7 +7281,7 @@
                                       <p:cBhvr additive="repl">
                                         <p:cTn id="80" dur="500"/>
                                         <p:tgtEl>
-                                          <p:spTgt spid="59"/>
+                                          <p:spTgt spid="56"/>
                                         </p:tgtEl>
                                       </p:cBhvr>
                                     </p:animEffect>
@@ -4737,7 +7302,7 @@
                                           </p:stCondLst>
                                         </p:cTn>
                                         <p:tgtEl>
-                                          <p:spTgt spid="60"/>
+                                          <p:spTgt spid="57"/>
                                         </p:tgtEl>
                                         <p:attrNameLst>
                                           <p:attrName>style.visibility</p:attrName>
@@ -4751,7 +7316,7 @@
                                       <p:cBhvr additive="repl">
                                         <p:cTn id="83" dur="500"/>
                                         <p:tgtEl>
-                                          <p:spTgt spid="60"/>
+                                          <p:spTgt spid="57"/>
                                         </p:tgtEl>
                                       </p:cBhvr>
                                     </p:animEffect>
@@ -4772,7 +7337,7 @@
                                           </p:stCondLst>
                                         </p:cTn>
                                         <p:tgtEl>
-                                          <p:spTgt spid="62"/>
+                                          <p:spTgt spid="59"/>
                                         </p:tgtEl>
                                         <p:attrNameLst>
                                           <p:attrName>style.visibility</p:attrName>
@@ -4786,7 +7351,7 @@
                                       <p:cBhvr additive="repl">
                                         <p:cTn id="86" dur="500"/>
                                         <p:tgtEl>
-                                          <p:spTgt spid="62"/>
+                                          <p:spTgt spid="59"/>
                                         </p:tgtEl>
                                       </p:cBhvr>
                                     </p:animEffect>
@@ -4807,7 +7372,7 @@
                                           </p:stCondLst>
                                         </p:cTn>
                                         <p:tgtEl>
-                                          <p:spTgt spid="63"/>
+                                          <p:spTgt spid="60"/>
                                         </p:tgtEl>
                                         <p:attrNameLst>
                                           <p:attrName>style.visibility</p:attrName>
@@ -4821,7 +7386,7 @@
                                       <p:cBhvr additive="repl">
                                         <p:cTn id="89" dur="500"/>
                                         <p:tgtEl>
-                                          <p:spTgt spid="63"/>
+                                          <p:spTgt spid="60"/>
                                         </p:tgtEl>
                                       </p:cBhvr>
                                     </p:animEffect>
@@ -4842,7 +7407,7 @@
                                           </p:stCondLst>
                                         </p:cTn>
                                         <p:tgtEl>
-                                          <p:spTgt spid="64"/>
+                                          <p:spTgt spid="61"/>
                                         </p:tgtEl>
                                         <p:attrNameLst>
                                           <p:attrName>style.visibility</p:attrName>
@@ -4856,7 +7421,7 @@
                                       <p:cBhvr additive="repl">
                                         <p:cTn id="92" dur="500"/>
                                         <p:tgtEl>
-                                          <p:spTgt spid="64"/>
+                                          <p:spTgt spid="61"/>
                                         </p:tgtEl>
                                       </p:cBhvr>
                                     </p:animEffect>
@@ -4877,7 +7442,7 @@
                                           </p:stCondLst>
                                         </p:cTn>
                                         <p:tgtEl>
-                                          <p:spTgt spid="66"/>
+                                          <p:spTgt spid="63"/>
                                         </p:tgtEl>
                                         <p:attrNameLst>
                                           <p:attrName>style.visibility</p:attrName>
@@ -4891,7 +7456,7 @@
                                       <p:cBhvr additive="repl">
                                         <p:cTn id="95" dur="500"/>
                                         <p:tgtEl>
-                                          <p:spTgt spid="66"/>
+                                          <p:spTgt spid="63"/>
                                         </p:tgtEl>
                                       </p:cBhvr>
                                     </p:animEffect>
@@ -4912,7 +7477,7 @@
                                           </p:stCondLst>
                                         </p:cTn>
                                         <p:tgtEl>
-                                          <p:spTgt spid="68"/>
+                                          <p:spTgt spid="65"/>
                                         </p:tgtEl>
                                         <p:attrNameLst>
                                           <p:attrName>style.visibility</p:attrName>
@@ -4926,7 +7491,7 @@
                                       <p:cBhvr additive="repl">
                                         <p:cTn id="98" dur="500"/>
                                         <p:tgtEl>
-                                          <p:spTgt spid="68"/>
+                                          <p:spTgt spid="65"/>
                                         </p:tgtEl>
                                       </p:cBhvr>
                                     </p:animEffect>
@@ -4947,7 +7512,7 @@
                                           </p:stCondLst>
                                         </p:cTn>
                                         <p:tgtEl>
-                                          <p:spTgt spid="69"/>
+                                          <p:spTgt spid="66"/>
                                         </p:tgtEl>
                                         <p:attrNameLst>
                                           <p:attrName>style.visibility</p:attrName>
@@ -4961,7 +7526,7 @@
                                       <p:cBhvr additive="repl">
                                         <p:cTn id="101" dur="500"/>
                                         <p:tgtEl>
-                                          <p:spTgt spid="69"/>
+                                          <p:spTgt spid="66"/>
                                         </p:tgtEl>
                                       </p:cBhvr>
                                     </p:animEffect>
